--- a/reserve your table.pptx
+++ b/reserve your table.pptx
@@ -8,11 +8,10 @@
     <p:sldId id="257" r:id="rId2"/>
     <p:sldId id="273" r:id="rId3"/>
     <p:sldId id="274" r:id="rId4"/>
-    <p:sldId id="278" r:id="rId5"/>
-    <p:sldId id="261" r:id="rId6"/>
-    <p:sldId id="266" r:id="rId7"/>
-    <p:sldId id="276" r:id="rId8"/>
-    <p:sldId id="277" r:id="rId9"/>
+    <p:sldId id="261" r:id="rId5"/>
+    <p:sldId id="266" r:id="rId6"/>
+    <p:sldId id="276" r:id="rId7"/>
+    <p:sldId id="277" r:id="rId8"/>
   </p:sldIdLst>
   <p:sldSz cx="12192000" cy="6858000"/>
   <p:notesSz cx="6858000" cy="9144000"/>
@@ -113,19 +112,21 @@
   </p:defaultTextStyle>
   <p:extLst>
     <p:ext uri="{EFAFB233-063F-42B5-8137-9DF3F51BA10A}">
-      <p15:sldGuideLst xmlns:p15="http://schemas.microsoft.com/office/powerpoint/2012/main" xmlns=""/>
+      <p15:sldGuideLst xmlns:p15="http://schemas.microsoft.com/office/powerpoint/2012/main">
+        <p15:guide id="1" orient="horz" pos="2160">
+          <p15:clr>
+            <a:srgbClr val="A4A3A4"/>
+          </p15:clr>
+        </p15:guide>
+        <p15:guide id="2" pos="3840">
+          <p15:clr>
+            <a:srgbClr val="A4A3A4"/>
+          </p15:clr>
+        </p15:guide>
+      </p15:sldGuideLst>
     </p:ext>
   </p:extLst>
 </p:presentation>
-</file>
-
-<file path=ppt/revisionInfo.xml><?xml version="1.0" encoding="utf-8"?>
-<p1510:revInfo xmlns:a="http://schemas.openxmlformats.org/drawingml/2006/main" xmlns:r="http://schemas.openxmlformats.org/officeDocument/2006/relationships" xmlns:p1510="http://schemas.microsoft.com/office/powerpoint/2015/10/main">
-  <p1510:revLst>
-    <p1510:client id="{6BFFAAED-2872-42FE-9276-C861B1F3C8C2}" v="1" dt="2019-02-27T07:01:15.032"/>
-    <p1510:client id="{85CA307A-E59C-4262-A2FB-A01517CAF750}" v="1" dt="2019-02-27T08:39:51.389"/>
-  </p1510:revLst>
-</p1510:revInfo>
 </file>
 
 <file path=ppt/diagrams/colors1.xml><?xml version="1.0" encoding="utf-8"?>
@@ -1953,13 +1954,6 @@
         </dgm:presLayoutVars>
       </dgm:prSet>
       <dgm:spPr/>
-      <dgm:t>
-        <a:bodyPr/>
-        <a:lstStyle/>
-        <a:p>
-          <a:endParaRPr lang="en-US"/>
-        </a:p>
-      </dgm:t>
     </dgm:pt>
     <dgm:pt modelId="{FC0020A3-4A09-44BC-9422-BF96460099FD}" type="pres">
       <dgm:prSet presAssocID="{41CDB9B8-E81E-41E7-AE89-8F6EDFC88D92}" presName="compNode" presStyleCnt="0"/>
@@ -1976,10 +1970,10 @@
           <a:blip xmlns:r="http://schemas.openxmlformats.org/officeDocument/2006/relationships" r:embed="rId1">
             <a:extLst>
               <a:ext uri="{28A0092B-C50C-407E-A947-70E740481C1C}">
-                <a14:useLocalDpi xmlns:a14="http://schemas.microsoft.com/office/drawing/2010/main" xmlns="" val="0"/>
+                <a14:useLocalDpi xmlns:a14="http://schemas.microsoft.com/office/drawing/2010/main" val="0"/>
               </a:ext>
               <a:ext uri="{96DAC541-7B7A-43D3-8B79-37D633B846F1}">
-                <asvg:svgBlip xmlns:asvg="http://schemas.microsoft.com/office/drawing/2016/SVG/main" xmlns="" r:embed="rId2"/>
+                <asvg:svgBlip xmlns:asvg="http://schemas.microsoft.com/office/drawing/2016/SVG/main" r:embed="rId2"/>
               </a:ext>
             </a:extLst>
           </a:blip>
@@ -1990,7 +1984,7 @@
       </dgm:spPr>
       <dgm:extLst>
         <a:ext uri="{E40237B7-FDA0-4F09-8148-C483321AD2D9}">
-          <dgm14:cNvPr xmlns:dgm14="http://schemas.microsoft.com/office/drawing/2010/diagram" xmlns="" id="0" name="" descr="Downward trend"/>
+          <dgm14:cNvPr xmlns:dgm14="http://schemas.microsoft.com/office/drawing/2010/diagram" id="0" name="" descr="Downward trend"/>
         </a:ext>
       </dgm:extLst>
     </dgm:pt>
@@ -2006,13 +2000,6 @@
         </dgm:presLayoutVars>
       </dgm:prSet>
       <dgm:spPr/>
-      <dgm:t>
-        <a:bodyPr/>
-        <a:lstStyle/>
-        <a:p>
-          <a:endParaRPr lang="en-US"/>
-        </a:p>
-      </dgm:t>
     </dgm:pt>
     <dgm:pt modelId="{23DA43FB-D1BE-4705-9AEE-107E81D7BB69}" type="pres">
       <dgm:prSet presAssocID="{BA791450-8D1E-4A6F-B71D-2984D9E245C4}" presName="sibTrans" presStyleCnt="0"/>
@@ -2033,10 +2020,10 @@
           <a:blip xmlns:r="http://schemas.openxmlformats.org/officeDocument/2006/relationships" r:embed="rId3">
             <a:extLst>
               <a:ext uri="{28A0092B-C50C-407E-A947-70E740481C1C}">
-                <a14:useLocalDpi xmlns:a14="http://schemas.microsoft.com/office/drawing/2010/main" xmlns="" val="0"/>
+                <a14:useLocalDpi xmlns:a14="http://schemas.microsoft.com/office/drawing/2010/main" val="0"/>
               </a:ext>
               <a:ext uri="{96DAC541-7B7A-43D3-8B79-37D633B846F1}">
-                <asvg:svgBlip xmlns:asvg="http://schemas.microsoft.com/office/drawing/2016/SVG/main" xmlns="" r:embed="rId4"/>
+                <asvg:svgBlip xmlns:asvg="http://schemas.microsoft.com/office/drawing/2016/SVG/main" r:embed="rId4"/>
               </a:ext>
             </a:extLst>
           </a:blip>
@@ -2047,7 +2034,7 @@
       </dgm:spPr>
       <dgm:extLst>
         <a:ext uri="{E40237B7-FDA0-4F09-8148-C483321AD2D9}">
-          <dgm14:cNvPr xmlns:dgm14="http://schemas.microsoft.com/office/drawing/2010/diagram" xmlns="" id="0" name="" descr="Map with pin"/>
+          <dgm14:cNvPr xmlns:dgm14="http://schemas.microsoft.com/office/drawing/2010/diagram" id="0" name="" descr="Map with pin"/>
         </a:ext>
       </dgm:extLst>
     </dgm:pt>
@@ -2063,13 +2050,6 @@
         </dgm:presLayoutVars>
       </dgm:prSet>
       <dgm:spPr/>
-      <dgm:t>
-        <a:bodyPr/>
-        <a:lstStyle/>
-        <a:p>
-          <a:endParaRPr lang="en-US"/>
-        </a:p>
-      </dgm:t>
     </dgm:pt>
     <dgm:pt modelId="{62346287-0F0E-456F-B705-F79E37BC86EE}" type="pres">
       <dgm:prSet presAssocID="{483498F9-A0C2-4668-85AB-D8E6E254F73B}" presName="sibTrans" presStyleCnt="0"/>
@@ -2090,10 +2070,10 @@
           <a:blip xmlns:r="http://schemas.openxmlformats.org/officeDocument/2006/relationships" r:embed="rId5">
             <a:extLst>
               <a:ext uri="{28A0092B-C50C-407E-A947-70E740481C1C}">
-                <a14:useLocalDpi xmlns:a14="http://schemas.microsoft.com/office/drawing/2010/main" xmlns="" val="0"/>
+                <a14:useLocalDpi xmlns:a14="http://schemas.microsoft.com/office/drawing/2010/main" val="0"/>
               </a:ext>
               <a:ext uri="{96DAC541-7B7A-43D3-8B79-37D633B846F1}">
-                <asvg:svgBlip xmlns:asvg="http://schemas.microsoft.com/office/drawing/2016/SVG/main" xmlns="" r:embed="rId6"/>
+                <asvg:svgBlip xmlns:asvg="http://schemas.microsoft.com/office/drawing/2016/SVG/main" r:embed="rId6"/>
               </a:ext>
             </a:extLst>
           </a:blip>
@@ -2104,7 +2084,7 @@
       </dgm:spPr>
       <dgm:extLst>
         <a:ext uri="{E40237B7-FDA0-4F09-8148-C483321AD2D9}">
-          <dgm14:cNvPr xmlns:dgm14="http://schemas.microsoft.com/office/drawing/2010/diagram" xmlns="" id="0" name="" descr="Checklist"/>
+          <dgm14:cNvPr xmlns:dgm14="http://schemas.microsoft.com/office/drawing/2010/diagram" id="0" name="" descr="Checklist"/>
         </a:ext>
       </dgm:extLst>
     </dgm:pt>
@@ -2120,23 +2100,16 @@
         </dgm:presLayoutVars>
       </dgm:prSet>
       <dgm:spPr/>
-      <dgm:t>
-        <a:bodyPr/>
-        <a:lstStyle/>
-        <a:p>
-          <a:endParaRPr lang="en-US"/>
-        </a:p>
-      </dgm:t>
     </dgm:pt>
   </dgm:ptLst>
   <dgm:cxnLst>
+    <dgm:cxn modelId="{0E84AA06-E460-486B-B9E1-F830D93461BC}" type="presOf" srcId="{8E185869-F0D4-43E2-B08A-2F3E83EE98F3}" destId="{BF1ECDC9-5335-4D4E-B27E-87B829208F37}" srcOrd="0" destOrd="0" presId="urn:microsoft.com/office/officeart/2018/5/layout/IconCircleLabelList"/>
+    <dgm:cxn modelId="{7EEBEB1B-497E-4365-84F9-FBB75D7759E5}" srcId="{7B62DEA7-9DCD-4B2E-9DC5-BE121C266AFD}" destId="{4D7D34C7-9466-4514-BF51-7396C17436B5}" srcOrd="1" destOrd="0" parTransId="{37DD6CE0-C2AA-4EB6-9E7D-14AED2127C40}" sibTransId="{483498F9-A0C2-4668-85AB-D8E6E254F73B}"/>
+    <dgm:cxn modelId="{BA5EEB3F-3502-4D49-B5FA-3FD4A795BA4A}" type="presOf" srcId="{4D7D34C7-9466-4514-BF51-7396C17436B5}" destId="{A7DB1614-C206-4950-80C1-49D2C414AC91}" srcOrd="0" destOrd="0" presId="urn:microsoft.com/office/officeart/2018/5/layout/IconCircleLabelList"/>
+    <dgm:cxn modelId="{7F970F62-30E3-4F5B-A242-825013BF84A8}" srcId="{7B62DEA7-9DCD-4B2E-9DC5-BE121C266AFD}" destId="{8E185869-F0D4-43E2-B08A-2F3E83EE98F3}" srcOrd="2" destOrd="0" parTransId="{7EE27099-92EA-4EDF-B176-0E355876D272}" sibTransId="{77D0876E-2BA2-4E28-ADB5-9885FCB7156A}"/>
+    <dgm:cxn modelId="{21EB7847-13AE-4881-9090-909F31360F4E}" srcId="{7B62DEA7-9DCD-4B2E-9DC5-BE121C266AFD}" destId="{41CDB9B8-E81E-41E7-AE89-8F6EDFC88D92}" srcOrd="0" destOrd="0" parTransId="{5D2FF527-BA77-40BE-9414-16FAE46386BB}" sibTransId="{BA791450-8D1E-4A6F-B71D-2984D9E245C4}"/>
     <dgm:cxn modelId="{1D420EA8-FBEB-417A-A26A-3FF668FE26BC}" type="presOf" srcId="{41CDB9B8-E81E-41E7-AE89-8F6EDFC88D92}" destId="{F9233C29-A837-45C9-97F9-BAE8ED657BAE}" srcOrd="0" destOrd="0" presId="urn:microsoft.com/office/officeart/2018/5/layout/IconCircleLabelList"/>
     <dgm:cxn modelId="{A8B04ABE-C4C8-4242-BB1D-E6C6110D8B05}" type="presOf" srcId="{7B62DEA7-9DCD-4B2E-9DC5-BE121C266AFD}" destId="{DC13276E-A6EE-4F1F-8058-BC35079FF369}" srcOrd="0" destOrd="0" presId="urn:microsoft.com/office/officeart/2018/5/layout/IconCircleLabelList"/>
-    <dgm:cxn modelId="{7F970F62-30E3-4F5B-A242-825013BF84A8}" srcId="{7B62DEA7-9DCD-4B2E-9DC5-BE121C266AFD}" destId="{8E185869-F0D4-43E2-B08A-2F3E83EE98F3}" srcOrd="2" destOrd="0" parTransId="{7EE27099-92EA-4EDF-B176-0E355876D272}" sibTransId="{77D0876E-2BA2-4E28-ADB5-9885FCB7156A}"/>
-    <dgm:cxn modelId="{21EB7847-13AE-4881-9090-909F31360F4E}" srcId="{7B62DEA7-9DCD-4B2E-9DC5-BE121C266AFD}" destId="{41CDB9B8-E81E-41E7-AE89-8F6EDFC88D92}" srcOrd="0" destOrd="0" parTransId="{5D2FF527-BA77-40BE-9414-16FAE46386BB}" sibTransId="{BA791450-8D1E-4A6F-B71D-2984D9E245C4}"/>
-    <dgm:cxn modelId="{0E84AA06-E460-486B-B9E1-F830D93461BC}" type="presOf" srcId="{8E185869-F0D4-43E2-B08A-2F3E83EE98F3}" destId="{BF1ECDC9-5335-4D4E-B27E-87B829208F37}" srcOrd="0" destOrd="0" presId="urn:microsoft.com/office/officeart/2018/5/layout/IconCircleLabelList"/>
-    <dgm:cxn modelId="{BA5EEB3F-3502-4D49-B5FA-3FD4A795BA4A}" type="presOf" srcId="{4D7D34C7-9466-4514-BF51-7396C17436B5}" destId="{A7DB1614-C206-4950-80C1-49D2C414AC91}" srcOrd="0" destOrd="0" presId="urn:microsoft.com/office/officeart/2018/5/layout/IconCircleLabelList"/>
-    <dgm:cxn modelId="{7EEBEB1B-497E-4365-84F9-FBB75D7759E5}" srcId="{7B62DEA7-9DCD-4B2E-9DC5-BE121C266AFD}" destId="{4D7D34C7-9466-4514-BF51-7396C17436B5}" srcOrd="1" destOrd="0" parTransId="{37DD6CE0-C2AA-4EB6-9E7D-14AED2127C40}" sibTransId="{483498F9-A0C2-4668-85AB-D8E6E254F73B}"/>
     <dgm:cxn modelId="{88C4AD61-9B66-4A5D-B87E-BBB1F47151C8}" type="presParOf" srcId="{DC13276E-A6EE-4F1F-8058-BC35079FF369}" destId="{FC0020A3-4A09-44BC-9422-BF96460099FD}" srcOrd="0" destOrd="0" presId="urn:microsoft.com/office/officeart/2018/5/layout/IconCircleLabelList"/>
     <dgm:cxn modelId="{567A02C1-3118-4807-B359-983ABFC9757C}" type="presParOf" srcId="{FC0020A3-4A09-44BC-9422-BF96460099FD}" destId="{E82669A6-D7CD-4E20-A39A-832FC11B6B9B}" srcOrd="0" destOrd="0" presId="urn:microsoft.com/office/officeart/2018/5/layout/IconCircleLabelList"/>
     <dgm:cxn modelId="{5509B6BD-BDAF-4DF1-9454-7AF8F2C39569}" type="presParOf" srcId="{FC0020A3-4A09-44BC-9422-BF96460099FD}" destId="{DBE80AD5-B037-463C-90F4-1727C06AEF45}" srcOrd="1" destOrd="0" presId="urn:microsoft.com/office/officeart/2018/5/layout/IconCircleLabelList"/>
@@ -2159,7 +2132,7 @@
   <dgm:whole/>
   <dgm:extLst>
     <a:ext uri="http://schemas.microsoft.com/office/drawing/2008/diagram">
-      <dsp:dataModelExt xmlns:dsp="http://schemas.microsoft.com/office/drawing/2008/diagram" xmlns="" relId="rId7" minVer="http://schemas.openxmlformats.org/drawingml/2006/diagram"/>
+      <dsp:dataModelExt xmlns:dsp="http://schemas.microsoft.com/office/drawing/2008/diagram" relId="rId7" minVer="http://schemas.openxmlformats.org/drawingml/2006/diagram"/>
     </a:ext>
   </dgm:extLst>
 </dgm:dataModel>
@@ -2345,13 +2318,6 @@
         </dgm:presLayoutVars>
       </dgm:prSet>
       <dgm:spPr/>
-      <dgm:t>
-        <a:bodyPr/>
-        <a:lstStyle/>
-        <a:p>
-          <a:endParaRPr lang="en-US"/>
-        </a:p>
-      </dgm:t>
     </dgm:pt>
     <dgm:pt modelId="{EFE0D66E-D709-477B-BE0C-0AB8E36B5F1B}" type="pres">
       <dgm:prSet presAssocID="{AAC263CB-8256-4B03-92FE-1622698FB3E9}" presName="parentText" presStyleLbl="node1" presStyleIdx="0" presStyleCnt="6">
@@ -2361,13 +2327,6 @@
         </dgm:presLayoutVars>
       </dgm:prSet>
       <dgm:spPr/>
-      <dgm:t>
-        <a:bodyPr/>
-        <a:lstStyle/>
-        <a:p>
-          <a:endParaRPr lang="en-US"/>
-        </a:p>
-      </dgm:t>
     </dgm:pt>
     <dgm:pt modelId="{27B94CCE-3459-4288-AE71-B3EEE8E78104}" type="pres">
       <dgm:prSet presAssocID="{808B76D0-8EC7-469A-93AC-7A6017188A9D}" presName="spacer" presStyleCnt="0"/>
@@ -2381,13 +2340,6 @@
         </dgm:presLayoutVars>
       </dgm:prSet>
       <dgm:spPr/>
-      <dgm:t>
-        <a:bodyPr/>
-        <a:lstStyle/>
-        <a:p>
-          <a:endParaRPr lang="en-US"/>
-        </a:p>
-      </dgm:t>
     </dgm:pt>
     <dgm:pt modelId="{A6E773C4-53CC-45B6-835F-07DA378FAFD9}" type="pres">
       <dgm:prSet presAssocID="{FEF1E80E-8A9E-4B0A-817C-2A4CFDCF3FB2}" presName="spacer" presStyleCnt="0"/>
@@ -2401,13 +2353,6 @@
         </dgm:presLayoutVars>
       </dgm:prSet>
       <dgm:spPr/>
-      <dgm:t>
-        <a:bodyPr/>
-        <a:lstStyle/>
-        <a:p>
-          <a:endParaRPr lang="en-US"/>
-        </a:p>
-      </dgm:t>
     </dgm:pt>
     <dgm:pt modelId="{5F09A8F9-7507-4C9E-895B-4045C0037861}" type="pres">
       <dgm:prSet presAssocID="{BFE0749E-E343-4A6F-BD09-2810EE6B4BD7}" presName="spacer" presStyleCnt="0"/>
@@ -2421,13 +2366,6 @@
         </dgm:presLayoutVars>
       </dgm:prSet>
       <dgm:spPr/>
-      <dgm:t>
-        <a:bodyPr/>
-        <a:lstStyle/>
-        <a:p>
-          <a:endParaRPr lang="en-US"/>
-        </a:p>
-      </dgm:t>
     </dgm:pt>
     <dgm:pt modelId="{5BF8574C-E6AB-42AC-9244-F774486B9FC5}" type="pres">
       <dgm:prSet presAssocID="{7F7FAAEE-59B4-439A-974B-B676C780846C}" presName="spacer" presStyleCnt="0"/>
@@ -2441,13 +2379,6 @@
         </dgm:presLayoutVars>
       </dgm:prSet>
       <dgm:spPr/>
-      <dgm:t>
-        <a:bodyPr/>
-        <a:lstStyle/>
-        <a:p>
-          <a:endParaRPr lang="en-US"/>
-        </a:p>
-      </dgm:t>
     </dgm:pt>
     <dgm:pt modelId="{B5936334-90BD-429C-9330-C0324E51B248}" type="pres">
       <dgm:prSet presAssocID="{8CC3066E-D092-460A-8424-A28133D2080E}" presName="spacer" presStyleCnt="0"/>
@@ -2461,28 +2392,21 @@
         </dgm:presLayoutVars>
       </dgm:prSet>
       <dgm:spPr/>
-      <dgm:t>
-        <a:bodyPr/>
-        <a:lstStyle/>
-        <a:p>
-          <a:endParaRPr lang="en-US"/>
-        </a:p>
-      </dgm:t>
     </dgm:pt>
   </dgm:ptLst>
   <dgm:cxnLst>
+    <dgm:cxn modelId="{DD18D20A-9178-4279-BBB7-A07B83B202CD}" type="presOf" srcId="{C4FB82D7-83B5-49A9-AB63-71220CADA9DE}" destId="{A54BA25F-F3B4-47F8-87CE-39B2530142DB}" srcOrd="0" destOrd="0" presId="urn:microsoft.com/office/officeart/2005/8/layout/vList2"/>
+    <dgm:cxn modelId="{CF2DC517-D4B8-4562-800E-FB0F3CD6CAEF}" type="presOf" srcId="{D4503D04-C97E-4622-AE07-D0307CB3B4CA}" destId="{8F127774-CCEB-410F-AE77-0C435411DEEC}" srcOrd="0" destOrd="0" presId="urn:microsoft.com/office/officeart/2005/8/layout/vList2"/>
+    <dgm:cxn modelId="{0F866C41-EB5F-47BD-A2CD-A58671F15B67}" srcId="{D4503D04-C97E-4622-AE07-D0307CB3B4CA}" destId="{4E8D2E69-0173-4BD3-B96A-7A9C5DD12B47}" srcOrd="1" destOrd="0" parTransId="{B954BF22-E3B3-4A1C-802E-590228BE2D9C}" sibTransId="{FEF1E80E-8A9E-4B0A-817C-2A4CFDCF3FB2}"/>
+    <dgm:cxn modelId="{708DCC67-7F99-43D1-89E9-A8BC79CB5330}" type="presOf" srcId="{CB2528B3-4D4C-492C-BBD1-94B5BAC53DC2}" destId="{6B65DB67-4635-4CE3-8CA7-EAF4B6A5C876}" srcOrd="0" destOrd="0" presId="urn:microsoft.com/office/officeart/2005/8/layout/vList2"/>
+    <dgm:cxn modelId="{BC9B444A-BD1F-4142-9E63-3243520F7FA7}" srcId="{D4503D04-C97E-4622-AE07-D0307CB3B4CA}" destId="{CB2528B3-4D4C-492C-BBD1-94B5BAC53DC2}" srcOrd="4" destOrd="0" parTransId="{63AB571A-7FBD-45FC-9481-D043705C58A5}" sibTransId="{8CC3066E-D092-460A-8424-A28133D2080E}"/>
+    <dgm:cxn modelId="{24E14671-0A87-4E06-BEFE-56E4816DAB55}" srcId="{D4503D04-C97E-4622-AE07-D0307CB3B4CA}" destId="{A678CA7C-854C-42E2-B0EA-D7D227B51AD7}" srcOrd="3" destOrd="0" parTransId="{914B291C-902D-4236-9D70-EBC5DAC90A5C}" sibTransId="{7F7FAAEE-59B4-439A-974B-B676C780846C}"/>
+    <dgm:cxn modelId="{C5E94186-9CB6-4C42-92B3-C546CC53A7B9}" srcId="{D4503D04-C97E-4622-AE07-D0307CB3B4CA}" destId="{AAC263CB-8256-4B03-92FE-1622698FB3E9}" srcOrd="0" destOrd="0" parTransId="{0BEED663-FC38-4EAD-940F-4C475D2C87DB}" sibTransId="{808B76D0-8EC7-469A-93AC-7A6017188A9D}"/>
     <dgm:cxn modelId="{8E52D695-A481-4F83-964E-C95FE3D684BD}" type="presOf" srcId="{93A6A030-ABAB-4EFA-B539-0FDB3E07C1EF}" destId="{E18D5729-A8DA-4DB1-B528-58306989B5B6}" srcOrd="0" destOrd="0" presId="urn:microsoft.com/office/officeart/2005/8/layout/vList2"/>
+    <dgm:cxn modelId="{54F7289D-33C5-4345-976E-088986382239}" type="presOf" srcId="{4E8D2E69-0173-4BD3-B96A-7A9C5DD12B47}" destId="{22808B73-640D-4A2A-9A8D-829F2EC64648}" srcOrd="0" destOrd="0" presId="urn:microsoft.com/office/officeart/2005/8/layout/vList2"/>
+    <dgm:cxn modelId="{DD7286A1-C843-4BCA-A3CD-2FABC37F40E9}" srcId="{D4503D04-C97E-4622-AE07-D0307CB3B4CA}" destId="{C4FB82D7-83B5-49A9-AB63-71220CADA9DE}" srcOrd="5" destOrd="0" parTransId="{37DCA1B4-308A-4B7C-B77C-30AAF1C79460}" sibTransId="{65643BB4-3C27-4A08-975D-185F6C405A61}"/>
+    <dgm:cxn modelId="{4B40C8DC-6B57-4F5B-8440-7241C649700B}" srcId="{D4503D04-C97E-4622-AE07-D0307CB3B4CA}" destId="{93A6A030-ABAB-4EFA-B539-0FDB3E07C1EF}" srcOrd="2" destOrd="0" parTransId="{3D674B97-6DC6-4A12-85BA-0976D3064237}" sibTransId="{BFE0749E-E343-4A6F-BD09-2810EE6B4BD7}"/>
     <dgm:cxn modelId="{10AA32EE-13D2-4270-9B84-1FCB416793FC}" type="presOf" srcId="{A678CA7C-854C-42E2-B0EA-D7D227B51AD7}" destId="{27D7648E-2394-48E3-B8EA-721649D709B4}" srcOrd="0" destOrd="0" presId="urn:microsoft.com/office/officeart/2005/8/layout/vList2"/>
-    <dgm:cxn modelId="{CF2DC517-D4B8-4562-800E-FB0F3CD6CAEF}" type="presOf" srcId="{D4503D04-C97E-4622-AE07-D0307CB3B4CA}" destId="{8F127774-CCEB-410F-AE77-0C435411DEEC}" srcOrd="0" destOrd="0" presId="urn:microsoft.com/office/officeart/2005/8/layout/vList2"/>
-    <dgm:cxn modelId="{54F7289D-33C5-4345-976E-088986382239}" type="presOf" srcId="{4E8D2E69-0173-4BD3-B96A-7A9C5DD12B47}" destId="{22808B73-640D-4A2A-9A8D-829F2EC64648}" srcOrd="0" destOrd="0" presId="urn:microsoft.com/office/officeart/2005/8/layout/vList2"/>
-    <dgm:cxn modelId="{24E14671-0A87-4E06-BEFE-56E4816DAB55}" srcId="{D4503D04-C97E-4622-AE07-D0307CB3B4CA}" destId="{A678CA7C-854C-42E2-B0EA-D7D227B51AD7}" srcOrd="3" destOrd="0" parTransId="{914B291C-902D-4236-9D70-EBC5DAC90A5C}" sibTransId="{7F7FAAEE-59B4-439A-974B-B676C780846C}"/>
-    <dgm:cxn modelId="{BC9B444A-BD1F-4142-9E63-3243520F7FA7}" srcId="{D4503D04-C97E-4622-AE07-D0307CB3B4CA}" destId="{CB2528B3-4D4C-492C-BBD1-94B5BAC53DC2}" srcOrd="4" destOrd="0" parTransId="{63AB571A-7FBD-45FC-9481-D043705C58A5}" sibTransId="{8CC3066E-D092-460A-8424-A28133D2080E}"/>
-    <dgm:cxn modelId="{DD7286A1-C843-4BCA-A3CD-2FABC37F40E9}" srcId="{D4503D04-C97E-4622-AE07-D0307CB3B4CA}" destId="{C4FB82D7-83B5-49A9-AB63-71220CADA9DE}" srcOrd="5" destOrd="0" parTransId="{37DCA1B4-308A-4B7C-B77C-30AAF1C79460}" sibTransId="{65643BB4-3C27-4A08-975D-185F6C405A61}"/>
-    <dgm:cxn modelId="{DD18D20A-9178-4279-BBB7-A07B83B202CD}" type="presOf" srcId="{C4FB82D7-83B5-49A9-AB63-71220CADA9DE}" destId="{A54BA25F-F3B4-47F8-87CE-39B2530142DB}" srcOrd="0" destOrd="0" presId="urn:microsoft.com/office/officeart/2005/8/layout/vList2"/>
-    <dgm:cxn modelId="{C5E94186-9CB6-4C42-92B3-C546CC53A7B9}" srcId="{D4503D04-C97E-4622-AE07-D0307CB3B4CA}" destId="{AAC263CB-8256-4B03-92FE-1622698FB3E9}" srcOrd="0" destOrd="0" parTransId="{0BEED663-FC38-4EAD-940F-4C475D2C87DB}" sibTransId="{808B76D0-8EC7-469A-93AC-7A6017188A9D}"/>
-    <dgm:cxn modelId="{4B40C8DC-6B57-4F5B-8440-7241C649700B}" srcId="{D4503D04-C97E-4622-AE07-D0307CB3B4CA}" destId="{93A6A030-ABAB-4EFA-B539-0FDB3E07C1EF}" srcOrd="2" destOrd="0" parTransId="{3D674B97-6DC6-4A12-85BA-0976D3064237}" sibTransId="{BFE0749E-E343-4A6F-BD09-2810EE6B4BD7}"/>
-    <dgm:cxn modelId="{708DCC67-7F99-43D1-89E9-A8BC79CB5330}" type="presOf" srcId="{CB2528B3-4D4C-492C-BBD1-94B5BAC53DC2}" destId="{6B65DB67-4635-4CE3-8CA7-EAF4B6A5C876}" srcOrd="0" destOrd="0" presId="urn:microsoft.com/office/officeart/2005/8/layout/vList2"/>
-    <dgm:cxn modelId="{0F866C41-EB5F-47BD-A2CD-A58671F15B67}" srcId="{D4503D04-C97E-4622-AE07-D0307CB3B4CA}" destId="{4E8D2E69-0173-4BD3-B96A-7A9C5DD12B47}" srcOrd="1" destOrd="0" parTransId="{B954BF22-E3B3-4A1C-802E-590228BE2D9C}" sibTransId="{FEF1E80E-8A9E-4B0A-817C-2A4CFDCF3FB2}"/>
     <dgm:cxn modelId="{5ABCA4EE-602F-44DE-B1E9-20CE07F49903}" type="presOf" srcId="{AAC263CB-8256-4B03-92FE-1622698FB3E9}" destId="{EFE0D66E-D709-477B-BE0C-0AB8E36B5F1B}" srcOrd="0" destOrd="0" presId="urn:microsoft.com/office/officeart/2005/8/layout/vList2"/>
     <dgm:cxn modelId="{320B02EC-051B-4318-BE34-3EEB5FBCF01C}" type="presParOf" srcId="{8F127774-CCEB-410F-AE77-0C435411DEEC}" destId="{EFE0D66E-D709-477B-BE0C-0AB8E36B5F1B}" srcOrd="0" destOrd="0" presId="urn:microsoft.com/office/officeart/2005/8/layout/vList2"/>
     <dgm:cxn modelId="{D59CCB5A-D4A6-4D6A-8904-E0753C353304}" type="presParOf" srcId="{8F127774-CCEB-410F-AE77-0C435411DEEC}" destId="{27B94CCE-3459-4288-AE71-B3EEE8E78104}" srcOrd="1" destOrd="0" presId="urn:microsoft.com/office/officeart/2005/8/layout/vList2"/>
@@ -2502,7 +2426,7 @@
   <dgm:whole/>
   <dgm:extLst>
     <a:ext uri="http://schemas.microsoft.com/office/drawing/2008/diagram">
-      <dsp:dataModelExt xmlns:dsp="http://schemas.microsoft.com/office/drawing/2008/diagram" xmlns="" relId="rId7" minVer="http://schemas.openxmlformats.org/drawingml/2006/diagram"/>
+      <dsp:dataModelExt xmlns:dsp="http://schemas.microsoft.com/office/drawing/2008/diagram" relId="rId7" minVer="http://schemas.openxmlformats.org/drawingml/2006/diagram"/>
     </a:ext>
   </dgm:extLst>
 </dgm:dataModel>
@@ -3677,7 +3601,7 @@
   </dgm:layoutNode>
   <dgm:extLst>
     <a:ext uri="{68A01E43-0DF5-4B5B-8FA6-DAF915123BFB}">
-      <dgm1612:lstStyle xmlns:dgm1612="http://schemas.microsoft.com/office/drawing/2016/12/diagram" xmlns="">
+      <dgm1612:lstStyle xmlns:dgm1612="http://schemas.microsoft.com/office/drawing/2016/12/diagram">
         <a:lvl1pPr>
           <a:lnSpc>
             <a:spcPct val="100000"/>
@@ -6302,7 +6226,7 @@
     </p:spTree>
     <p:extLst>
       <p:ext uri="{BB962C8B-B14F-4D97-AF65-F5344CB8AC3E}">
-        <p14:creationId xmlns:p14="http://schemas.microsoft.com/office/powerpoint/2010/main" xmlns="" val="377962420"/>
+        <p14:creationId xmlns:p14="http://schemas.microsoft.com/office/powerpoint/2010/main" val="377962420"/>
       </p:ext>
     </p:extLst>
   </p:cSld>
@@ -6479,7 +6403,7 @@
     </p:spTree>
     <p:extLst>
       <p:ext uri="{BB962C8B-B14F-4D97-AF65-F5344CB8AC3E}">
-        <p14:creationId xmlns:p14="http://schemas.microsoft.com/office/powerpoint/2010/main" xmlns="" val="4051425102"/>
+        <p14:creationId xmlns:p14="http://schemas.microsoft.com/office/powerpoint/2010/main" val="4051425102"/>
       </p:ext>
     </p:extLst>
   </p:cSld>
@@ -6661,7 +6585,7 @@
     </p:spTree>
     <p:extLst>
       <p:ext uri="{BB962C8B-B14F-4D97-AF65-F5344CB8AC3E}">
-        <p14:creationId xmlns:p14="http://schemas.microsoft.com/office/powerpoint/2010/main" xmlns="" val="3845499659"/>
+        <p14:creationId xmlns:p14="http://schemas.microsoft.com/office/powerpoint/2010/main" val="3845499659"/>
       </p:ext>
     </p:extLst>
   </p:cSld>
@@ -6833,7 +6757,7 @@
     </p:spTree>
     <p:extLst>
       <p:ext uri="{BB962C8B-B14F-4D97-AF65-F5344CB8AC3E}">
-        <p14:creationId xmlns:p14="http://schemas.microsoft.com/office/powerpoint/2010/main" xmlns="" val="1150405654"/>
+        <p14:creationId xmlns:p14="http://schemas.microsoft.com/office/powerpoint/2010/main" val="1150405654"/>
       </p:ext>
     </p:extLst>
   </p:cSld>
@@ -7194,7 +7118,7 @@
     </p:spTree>
     <p:extLst>
       <p:ext uri="{BB962C8B-B14F-4D97-AF65-F5344CB8AC3E}">
-        <p14:creationId xmlns:p14="http://schemas.microsoft.com/office/powerpoint/2010/main" xmlns="" val="665941903"/>
+        <p14:creationId xmlns:p14="http://schemas.microsoft.com/office/powerpoint/2010/main" val="665941903"/>
       </p:ext>
     </p:extLst>
   </p:cSld>
@@ -7508,7 +7432,7 @@
     </p:spTree>
     <p:extLst>
       <p:ext uri="{BB962C8B-B14F-4D97-AF65-F5344CB8AC3E}">
-        <p14:creationId xmlns:p14="http://schemas.microsoft.com/office/powerpoint/2010/main" xmlns="" val="1332195342"/>
+        <p14:creationId xmlns:p14="http://schemas.microsoft.com/office/powerpoint/2010/main" val="1332195342"/>
       </p:ext>
     </p:extLst>
   </p:cSld>
@@ -7987,7 +7911,7 @@
     </p:spTree>
     <p:extLst>
       <p:ext uri="{BB962C8B-B14F-4D97-AF65-F5344CB8AC3E}">
-        <p14:creationId xmlns:p14="http://schemas.microsoft.com/office/powerpoint/2010/main" xmlns="" val="1269596979"/>
+        <p14:creationId xmlns:p14="http://schemas.microsoft.com/office/powerpoint/2010/main" val="1269596979"/>
       </p:ext>
     </p:extLst>
   </p:cSld>
@@ -8107,7 +8031,7 @@
     </p:spTree>
     <p:extLst>
       <p:ext uri="{BB962C8B-B14F-4D97-AF65-F5344CB8AC3E}">
-        <p14:creationId xmlns:p14="http://schemas.microsoft.com/office/powerpoint/2010/main" xmlns="" val="592791271"/>
+        <p14:creationId xmlns:p14="http://schemas.microsoft.com/office/powerpoint/2010/main" val="592791271"/>
       </p:ext>
     </p:extLst>
   </p:cSld>
@@ -8204,7 +8128,7 @@
     </p:spTree>
     <p:extLst>
       <p:ext uri="{BB962C8B-B14F-4D97-AF65-F5344CB8AC3E}">
-        <p14:creationId xmlns:p14="http://schemas.microsoft.com/office/powerpoint/2010/main" xmlns="" val="809832679"/>
+        <p14:creationId xmlns:p14="http://schemas.microsoft.com/office/powerpoint/2010/main" val="809832679"/>
       </p:ext>
     </p:extLst>
   </p:cSld>
@@ -8616,7 +8540,7 @@
     </p:spTree>
     <p:extLst>
       <p:ext uri="{BB962C8B-B14F-4D97-AF65-F5344CB8AC3E}">
-        <p14:creationId xmlns:p14="http://schemas.microsoft.com/office/powerpoint/2010/main" xmlns="" val="1684512676"/>
+        <p14:creationId xmlns:p14="http://schemas.microsoft.com/office/powerpoint/2010/main" val="1684512676"/>
       </p:ext>
     </p:extLst>
   </p:cSld>
@@ -9006,7 +8930,7 @@
     </p:spTree>
     <p:extLst>
       <p:ext uri="{BB962C8B-B14F-4D97-AF65-F5344CB8AC3E}">
-        <p14:creationId xmlns:p14="http://schemas.microsoft.com/office/powerpoint/2010/main" xmlns="" val="3563938618"/>
+        <p14:creationId xmlns:p14="http://schemas.microsoft.com/office/powerpoint/2010/main" val="3563938618"/>
       </p:ext>
     </p:extLst>
   </p:cSld>
@@ -9292,7 +9216,7 @@
     </p:spTree>
     <p:extLst>
       <p:ext uri="{BB962C8B-B14F-4D97-AF65-F5344CB8AC3E}">
-        <p14:creationId xmlns:p14="http://schemas.microsoft.com/office/powerpoint/2010/main" xmlns="" val="701515608"/>
+        <p14:creationId xmlns:p14="http://schemas.microsoft.com/office/powerpoint/2010/main" val="701515608"/>
       </p:ext>
     </p:extLst>
   </p:cSld>
@@ -9619,7 +9543,7 @@
   </p:txStyles>
   <p:extLst mod="1">
     <p:ext uri="{27BBF7A9-308A-43DC-89C8-2F10F3537804}">
-      <p15:sldGuideLst xmlns:p15="http://schemas.microsoft.com/office/powerpoint/2012/main" xmlns="">
+      <p15:sldGuideLst xmlns:p15="http://schemas.microsoft.com/office/powerpoint/2012/main">
         <p15:guide id="3" orient="horz" pos="1368">
           <p15:clr>
             <a:srgbClr val="F26B43"/>
@@ -9696,7 +9620,7 @@
           <p:cNvPr id="25" name="Picture 24" descr="person with bookbag staring out over the mountains">
             <a:extLst>
               <a:ext uri="{FF2B5EF4-FFF2-40B4-BE49-F238E27FC236}">
-                <a16:creationId xmlns:a16="http://schemas.microsoft.com/office/drawing/2014/main" xmlns="" id="{0461DC49-1338-C24E-A3BB-5919AD12F596}"/>
+                <a16:creationId xmlns:a16="http://schemas.microsoft.com/office/drawing/2014/main" id="{0461DC49-1338-C24E-A3BB-5919AD12F596}"/>
               </a:ext>
             </a:extLst>
           </p:cNvPr>
@@ -9709,7 +9633,7 @@
           <a:blip r:embed="rId2" cstate="hqprint">
             <a:extLst>
               <a:ext uri="{28A0092B-C50C-407E-A947-70E740481C1C}">
-                <a14:useLocalDpi xmlns:a14="http://schemas.microsoft.com/office/drawing/2010/main" xmlns=""/>
+                <a14:useLocalDpi xmlns:a14="http://schemas.microsoft.com/office/drawing/2010/main"/>
               </a:ext>
             </a:extLst>
           </a:blip>
@@ -9731,10 +9655,10 @@
           <p:cNvPr id="30" name="Rectangle 29">
             <a:extLst>
               <a:ext uri="{FF2B5EF4-FFF2-40B4-BE49-F238E27FC236}">
-                <a16:creationId xmlns:a16="http://schemas.microsoft.com/office/drawing/2014/main" xmlns="" id="{310B1DD0-264A-47E3-A16A-C87AFA51E68A}"/>
+                <a16:creationId xmlns:a16="http://schemas.microsoft.com/office/drawing/2014/main" id="{310B1DD0-264A-47E3-A16A-C87AFA51E68A}"/>
               </a:ext>
               <a:ext uri="{C183D7F6-B498-43B3-948B-1728B52AA6E4}">
-                <adec:decorative xmlns:adec="http://schemas.microsoft.com/office/drawing/2017/decorative" xmlns="" val="1"/>
+                <adec:decorative xmlns:adec="http://schemas.microsoft.com/office/drawing/2017/decorative" val="1"/>
               </a:ext>
             </a:extLst>
           </p:cNvPr>
@@ -9744,7 +9668,7 @@
           <p:nvPr>
             <p:extLst>
               <p:ext uri="{386F3935-93C4-4BCD-93E2-E3B085C9AB24}">
-                <p16:designElem xmlns:p16="http://schemas.microsoft.com/office/powerpoint/2015/main" xmlns="" val="1"/>
+                <p16:designElem xmlns:p16="http://schemas.microsoft.com/office/powerpoint/2015/main" val="1"/>
               </p:ext>
             </p:extLst>
           </p:nvPr>
@@ -9807,10 +9731,10 @@
           <p:cNvPr id="32" name="Freeform 6">
             <a:extLst>
               <a:ext uri="{FF2B5EF4-FFF2-40B4-BE49-F238E27FC236}">
-                <a16:creationId xmlns:a16="http://schemas.microsoft.com/office/drawing/2014/main" xmlns="" id="{69C1BB7B-F21E-41A2-B30C-D8507B960282}"/>
+                <a16:creationId xmlns:a16="http://schemas.microsoft.com/office/drawing/2014/main" id="{69C1BB7B-F21E-41A2-B30C-D8507B960282}"/>
               </a:ext>
               <a:ext uri="{C183D7F6-B498-43B3-948B-1728B52AA6E4}">
-                <adec:decorative xmlns:adec="http://schemas.microsoft.com/office/drawing/2017/decorative" xmlns="" val="1"/>
+                <adec:decorative xmlns:adec="http://schemas.microsoft.com/office/drawing/2017/decorative" val="1"/>
               </a:ext>
             </a:extLst>
           </p:cNvPr>
@@ -9820,7 +9744,7 @@
           <p:nvPr>
             <p:extLst>
               <p:ext uri="{386F3935-93C4-4BCD-93E2-E3B085C9AB24}">
-                <p16:designElem xmlns:p16="http://schemas.microsoft.com/office/powerpoint/2015/main" xmlns="" val="1"/>
+                <p16:designElem xmlns:p16="http://schemas.microsoft.com/office/powerpoint/2015/main" val="1"/>
               </p:ext>
             </p:extLst>
           </p:nvPr>
@@ -9882,10 +9806,10 @@
           <p:cNvPr id="34" name="Freeform 6">
             <a:extLst>
               <a:ext uri="{FF2B5EF4-FFF2-40B4-BE49-F238E27FC236}">
-                <a16:creationId xmlns:a16="http://schemas.microsoft.com/office/drawing/2014/main" xmlns="" id="{DF6D7DDE-F8A1-4105-9729-F9EB5F81A360}"/>
+                <a16:creationId xmlns:a16="http://schemas.microsoft.com/office/drawing/2014/main" id="{DF6D7DDE-F8A1-4105-9729-F9EB5F81A360}"/>
               </a:ext>
               <a:ext uri="{C183D7F6-B498-43B3-948B-1728B52AA6E4}">
-                <adec:decorative xmlns:adec="http://schemas.microsoft.com/office/drawing/2017/decorative" xmlns="" val="1"/>
+                <adec:decorative xmlns:adec="http://schemas.microsoft.com/office/drawing/2017/decorative" val="1"/>
               </a:ext>
             </a:extLst>
           </p:cNvPr>
@@ -9895,7 +9819,7 @@
           <p:nvPr>
             <p:extLst>
               <p:ext uri="{386F3935-93C4-4BCD-93E2-E3B085C9AB24}">
-                <p16:designElem xmlns:p16="http://schemas.microsoft.com/office/powerpoint/2015/main" xmlns="" val="1"/>
+                <p16:designElem xmlns:p16="http://schemas.microsoft.com/office/powerpoint/2015/main" val="1"/>
               </p:ext>
             </p:extLst>
           </p:nvPr>
@@ -9955,7 +9879,7 @@
           <p:cNvPr id="2" name="Title 1">
             <a:extLst>
               <a:ext uri="{FF2B5EF4-FFF2-40B4-BE49-F238E27FC236}">
-                <a16:creationId xmlns:a16="http://schemas.microsoft.com/office/drawing/2014/main" xmlns="" id="{A5C93519-6B29-1346-9FCB-0835B80531A4}"/>
+                <a16:creationId xmlns:a16="http://schemas.microsoft.com/office/drawing/2014/main" id="{A5C93519-6B29-1346-9FCB-0835B80531A4}"/>
               </a:ext>
             </a:extLst>
           </p:cNvPr>
@@ -10009,7 +9933,7 @@
           <p:cNvPr id="4" name="Subtitle 3">
             <a:extLst>
               <a:ext uri="{FF2B5EF4-FFF2-40B4-BE49-F238E27FC236}">
-                <a16:creationId xmlns:a16="http://schemas.microsoft.com/office/drawing/2014/main" xmlns="" id="{6E661E49-0788-40C2-A5B6-638ADED71159}"/>
+                <a16:creationId xmlns:a16="http://schemas.microsoft.com/office/drawing/2014/main" id="{6E661E49-0788-40C2-A5B6-638ADED71159}"/>
               </a:ext>
             </a:extLst>
           </p:cNvPr>
@@ -10090,20 +10014,13 @@
     </p:spTree>
     <p:extLst>
       <p:ext uri="{BB962C8B-B14F-4D97-AF65-F5344CB8AC3E}">
-        <p14:creationId xmlns:p14="http://schemas.microsoft.com/office/powerpoint/2010/main" xmlns="" val="1546580382"/>
+        <p14:creationId xmlns:p14="http://schemas.microsoft.com/office/powerpoint/2010/main" val="1546580382"/>
       </p:ext>
     </p:extLst>
   </p:cSld>
   <p:clrMapOvr>
     <a:masterClrMapping/>
   </p:clrMapOvr>
-  <p:timing>
-    <p:tnLst>
-      <p:par>
-        <p:cTn id="1" dur="indefinite" restart="never" nodeType="tmRoot"/>
-      </p:par>
-    </p:tnLst>
-  </p:timing>
 </p:sld>
 </file>
 
@@ -10137,7 +10054,7 @@
           <p:cNvPr id="6" name="Picture 5" descr="Woman carrying briefcase heading down road">
             <a:extLst>
               <a:ext uri="{FF2B5EF4-FFF2-40B4-BE49-F238E27FC236}">
-                <a16:creationId xmlns:a16="http://schemas.microsoft.com/office/drawing/2014/main" xmlns="" id="{6BE62510-A175-9D47-9EDF-D9FB6C162CE7}"/>
+                <a16:creationId xmlns:a16="http://schemas.microsoft.com/office/drawing/2014/main" id="{6BE62510-A175-9D47-9EDF-D9FB6C162CE7}"/>
               </a:ext>
             </a:extLst>
           </p:cNvPr>
@@ -10150,7 +10067,7 @@
           <a:blip r:embed="rId2" cstate="print">
             <a:extLst>
               <a:ext uri="{28A0092B-C50C-407E-A947-70E740481C1C}">
-                <a14:useLocalDpi xmlns:a14="http://schemas.microsoft.com/office/drawing/2010/main" xmlns=""/>
+                <a14:useLocalDpi xmlns:a14="http://schemas.microsoft.com/office/drawing/2010/main"/>
               </a:ext>
             </a:extLst>
           </a:blip>
@@ -10172,10 +10089,10 @@
           <p:cNvPr id="11" name="Rectangle 10">
             <a:extLst>
               <a:ext uri="{FF2B5EF4-FFF2-40B4-BE49-F238E27FC236}">
-                <a16:creationId xmlns:a16="http://schemas.microsoft.com/office/drawing/2014/main" xmlns="" id="{310B1DD0-264A-47E3-A16A-C87AFA51E68A}"/>
+                <a16:creationId xmlns:a16="http://schemas.microsoft.com/office/drawing/2014/main" id="{310B1DD0-264A-47E3-A16A-C87AFA51E68A}"/>
               </a:ext>
               <a:ext uri="{C183D7F6-B498-43B3-948B-1728B52AA6E4}">
-                <adec:decorative xmlns:adec="http://schemas.microsoft.com/office/drawing/2017/decorative" xmlns="" val="1"/>
+                <adec:decorative xmlns:adec="http://schemas.microsoft.com/office/drawing/2017/decorative" val="1"/>
               </a:ext>
             </a:extLst>
           </p:cNvPr>
@@ -10185,7 +10102,7 @@
           <p:nvPr>
             <p:extLst>
               <p:ext uri="{386F3935-93C4-4BCD-93E2-E3B085C9AB24}">
-                <p16:designElem xmlns:p16="http://schemas.microsoft.com/office/powerpoint/2015/main" xmlns="" val="1"/>
+                <p16:designElem xmlns:p16="http://schemas.microsoft.com/office/powerpoint/2015/main" val="1"/>
               </p:ext>
             </p:extLst>
           </p:nvPr>
@@ -10248,10 +10165,10 @@
           <p:cNvPr id="13" name="Freeform 6">
             <a:extLst>
               <a:ext uri="{FF2B5EF4-FFF2-40B4-BE49-F238E27FC236}">
-                <a16:creationId xmlns:a16="http://schemas.microsoft.com/office/drawing/2014/main" xmlns="" id="{69C1BB7B-F21E-41A2-B30C-D8507B960282}"/>
+                <a16:creationId xmlns:a16="http://schemas.microsoft.com/office/drawing/2014/main" id="{69C1BB7B-F21E-41A2-B30C-D8507B960282}"/>
               </a:ext>
               <a:ext uri="{C183D7F6-B498-43B3-948B-1728B52AA6E4}">
-                <adec:decorative xmlns:adec="http://schemas.microsoft.com/office/drawing/2017/decorative" xmlns="" val="1"/>
+                <adec:decorative xmlns:adec="http://schemas.microsoft.com/office/drawing/2017/decorative" val="1"/>
               </a:ext>
             </a:extLst>
           </p:cNvPr>
@@ -10261,7 +10178,7 @@
           <p:nvPr>
             <p:extLst>
               <p:ext uri="{386F3935-93C4-4BCD-93E2-E3B085C9AB24}">
-                <p16:designElem xmlns:p16="http://schemas.microsoft.com/office/powerpoint/2015/main" xmlns="" val="1"/>
+                <p16:designElem xmlns:p16="http://schemas.microsoft.com/office/powerpoint/2015/main" val="1"/>
               </p:ext>
             </p:extLst>
           </p:nvPr>
@@ -10323,10 +10240,10 @@
           <p:cNvPr id="15" name="Freeform 6">
             <a:extLst>
               <a:ext uri="{FF2B5EF4-FFF2-40B4-BE49-F238E27FC236}">
-                <a16:creationId xmlns:a16="http://schemas.microsoft.com/office/drawing/2014/main" xmlns="" id="{DF6D7DDE-F8A1-4105-9729-F9EB5F81A360}"/>
+                <a16:creationId xmlns:a16="http://schemas.microsoft.com/office/drawing/2014/main" id="{DF6D7DDE-F8A1-4105-9729-F9EB5F81A360}"/>
               </a:ext>
               <a:ext uri="{C183D7F6-B498-43B3-948B-1728B52AA6E4}">
-                <adec:decorative xmlns:adec="http://schemas.microsoft.com/office/drawing/2017/decorative" xmlns="" val="1"/>
+                <adec:decorative xmlns:adec="http://schemas.microsoft.com/office/drawing/2017/decorative" val="1"/>
               </a:ext>
             </a:extLst>
           </p:cNvPr>
@@ -10336,7 +10253,7 @@
           <p:nvPr>
             <p:extLst>
               <p:ext uri="{386F3935-93C4-4BCD-93E2-E3B085C9AB24}">
-                <p16:designElem xmlns:p16="http://schemas.microsoft.com/office/powerpoint/2015/main" xmlns="" val="1"/>
+                <p16:designElem xmlns:p16="http://schemas.microsoft.com/office/powerpoint/2015/main" val="1"/>
               </p:ext>
             </p:extLst>
           </p:nvPr>
@@ -10396,7 +10313,7 @@
           <p:cNvPr id="2" name="Title 1">
             <a:extLst>
               <a:ext uri="{FF2B5EF4-FFF2-40B4-BE49-F238E27FC236}">
-                <a16:creationId xmlns:a16="http://schemas.microsoft.com/office/drawing/2014/main" xmlns="" id="{A5C93519-6B29-1346-9FCB-0835B80531A4}"/>
+                <a16:creationId xmlns:a16="http://schemas.microsoft.com/office/drawing/2014/main" id="{A5C93519-6B29-1346-9FCB-0835B80531A4}"/>
               </a:ext>
             </a:extLst>
           </p:cNvPr>
@@ -10435,7 +10352,7 @@
           <p:cNvPr id="3" name="Subtitle 2">
             <a:extLst>
               <a:ext uri="{FF2B5EF4-FFF2-40B4-BE49-F238E27FC236}">
-                <a16:creationId xmlns:a16="http://schemas.microsoft.com/office/drawing/2014/main" xmlns="" id="{D698B4E1-5F4F-8E4F-97D2-0176CBCC4A51}"/>
+                <a16:creationId xmlns:a16="http://schemas.microsoft.com/office/drawing/2014/main" id="{D698B4E1-5F4F-8E4F-97D2-0176CBCC4A51}"/>
               </a:ext>
             </a:extLst>
           </p:cNvPr>
@@ -10547,20 +10464,13 @@
     </p:spTree>
     <p:extLst>
       <p:ext uri="{BB962C8B-B14F-4D97-AF65-F5344CB8AC3E}">
-        <p14:creationId xmlns:p14="http://schemas.microsoft.com/office/powerpoint/2010/main" xmlns="" val="1799120912"/>
+        <p14:creationId xmlns:p14="http://schemas.microsoft.com/office/powerpoint/2010/main" val="1799120912"/>
       </p:ext>
     </p:extLst>
   </p:cSld>
   <p:clrMapOvr>
     <a:masterClrMapping/>
   </p:clrMapOvr>
-  <p:timing>
-    <p:tnLst>
-      <p:par>
-        <p:cTn id="1" dur="indefinite" restart="never" nodeType="tmRoot"/>
-      </p:par>
-    </p:tnLst>
-  </p:timing>
 </p:sld>
 </file>
 
@@ -10594,7 +10504,7 @@
           <p:cNvPr id="6" name="Picture 5" descr="Woman carrying briefcase heading down road">
             <a:extLst>
               <a:ext uri="{FF2B5EF4-FFF2-40B4-BE49-F238E27FC236}">
-                <a16:creationId xmlns:a16="http://schemas.microsoft.com/office/drawing/2014/main" xmlns="" id="{6BE62510-A175-9D47-9EDF-D9FB6C162CE7}"/>
+                <a16:creationId xmlns:a16="http://schemas.microsoft.com/office/drawing/2014/main" id="{6BE62510-A175-9D47-9EDF-D9FB6C162CE7}"/>
               </a:ext>
             </a:extLst>
           </p:cNvPr>
@@ -10607,7 +10517,7 @@
           <a:blip r:embed="rId2" cstate="print">
             <a:extLst>
               <a:ext uri="{28A0092B-C50C-407E-A947-70E740481C1C}">
-                <a14:useLocalDpi xmlns:a14="http://schemas.microsoft.com/office/drawing/2010/main" xmlns=""/>
+                <a14:useLocalDpi xmlns:a14="http://schemas.microsoft.com/office/drawing/2010/main"/>
               </a:ext>
             </a:extLst>
           </a:blip>
@@ -10629,10 +10539,10 @@
           <p:cNvPr id="11" name="Rectangle 10">
             <a:extLst>
               <a:ext uri="{FF2B5EF4-FFF2-40B4-BE49-F238E27FC236}">
-                <a16:creationId xmlns:a16="http://schemas.microsoft.com/office/drawing/2014/main" xmlns="" id="{310B1DD0-264A-47E3-A16A-C87AFA51E68A}"/>
+                <a16:creationId xmlns:a16="http://schemas.microsoft.com/office/drawing/2014/main" id="{310B1DD0-264A-47E3-A16A-C87AFA51E68A}"/>
               </a:ext>
               <a:ext uri="{C183D7F6-B498-43B3-948B-1728B52AA6E4}">
-                <adec:decorative xmlns:adec="http://schemas.microsoft.com/office/drawing/2017/decorative" xmlns="" val="1"/>
+                <adec:decorative xmlns:adec="http://schemas.microsoft.com/office/drawing/2017/decorative" val="1"/>
               </a:ext>
             </a:extLst>
           </p:cNvPr>
@@ -10642,7 +10552,7 @@
           <p:nvPr>
             <p:extLst>
               <p:ext uri="{386F3935-93C4-4BCD-93E2-E3B085C9AB24}">
-                <p16:designElem xmlns:p16="http://schemas.microsoft.com/office/powerpoint/2015/main" xmlns="" val="1"/>
+                <p16:designElem xmlns:p16="http://schemas.microsoft.com/office/powerpoint/2015/main" val="1"/>
               </p:ext>
             </p:extLst>
           </p:nvPr>
@@ -10705,10 +10615,10 @@
           <p:cNvPr id="13" name="Freeform 6">
             <a:extLst>
               <a:ext uri="{FF2B5EF4-FFF2-40B4-BE49-F238E27FC236}">
-                <a16:creationId xmlns:a16="http://schemas.microsoft.com/office/drawing/2014/main" xmlns="" id="{69C1BB7B-F21E-41A2-B30C-D8507B960282}"/>
+                <a16:creationId xmlns:a16="http://schemas.microsoft.com/office/drawing/2014/main" id="{69C1BB7B-F21E-41A2-B30C-D8507B960282}"/>
               </a:ext>
               <a:ext uri="{C183D7F6-B498-43B3-948B-1728B52AA6E4}">
-                <adec:decorative xmlns:adec="http://schemas.microsoft.com/office/drawing/2017/decorative" xmlns="" val="1"/>
+                <adec:decorative xmlns:adec="http://schemas.microsoft.com/office/drawing/2017/decorative" val="1"/>
               </a:ext>
             </a:extLst>
           </p:cNvPr>
@@ -10718,7 +10628,7 @@
           <p:nvPr>
             <p:extLst>
               <p:ext uri="{386F3935-93C4-4BCD-93E2-E3B085C9AB24}">
-                <p16:designElem xmlns:p16="http://schemas.microsoft.com/office/powerpoint/2015/main" xmlns="" val="1"/>
+                <p16:designElem xmlns:p16="http://schemas.microsoft.com/office/powerpoint/2015/main" val="1"/>
               </p:ext>
             </p:extLst>
           </p:nvPr>
@@ -10780,10 +10690,10 @@
           <p:cNvPr id="15" name="Freeform 6">
             <a:extLst>
               <a:ext uri="{FF2B5EF4-FFF2-40B4-BE49-F238E27FC236}">
-                <a16:creationId xmlns:a16="http://schemas.microsoft.com/office/drawing/2014/main" xmlns="" id="{DF6D7DDE-F8A1-4105-9729-F9EB5F81A360}"/>
+                <a16:creationId xmlns:a16="http://schemas.microsoft.com/office/drawing/2014/main" id="{DF6D7DDE-F8A1-4105-9729-F9EB5F81A360}"/>
               </a:ext>
               <a:ext uri="{C183D7F6-B498-43B3-948B-1728B52AA6E4}">
-                <adec:decorative xmlns:adec="http://schemas.microsoft.com/office/drawing/2017/decorative" xmlns="" val="1"/>
+                <adec:decorative xmlns:adec="http://schemas.microsoft.com/office/drawing/2017/decorative" val="1"/>
               </a:ext>
             </a:extLst>
           </p:cNvPr>
@@ -10793,7 +10703,7 @@
           <p:nvPr>
             <p:extLst>
               <p:ext uri="{386F3935-93C4-4BCD-93E2-E3B085C9AB24}">
-                <p16:designElem xmlns:p16="http://schemas.microsoft.com/office/powerpoint/2015/main" xmlns="" val="1"/>
+                <p16:designElem xmlns:p16="http://schemas.microsoft.com/office/powerpoint/2015/main" val="1"/>
               </p:ext>
             </p:extLst>
           </p:nvPr>
@@ -10853,7 +10763,7 @@
           <p:cNvPr id="2" name="Title 1">
             <a:extLst>
               <a:ext uri="{FF2B5EF4-FFF2-40B4-BE49-F238E27FC236}">
-                <a16:creationId xmlns:a16="http://schemas.microsoft.com/office/drawing/2014/main" xmlns="" id="{A5C93519-6B29-1346-9FCB-0835B80531A4}"/>
+                <a16:creationId xmlns:a16="http://schemas.microsoft.com/office/drawing/2014/main" id="{A5C93519-6B29-1346-9FCB-0835B80531A4}"/>
               </a:ext>
             </a:extLst>
           </p:cNvPr>
@@ -10892,7 +10802,7 @@
           <p:cNvPr id="3" name="Subtitle 2">
             <a:extLst>
               <a:ext uri="{FF2B5EF4-FFF2-40B4-BE49-F238E27FC236}">
-                <a16:creationId xmlns:a16="http://schemas.microsoft.com/office/drawing/2014/main" xmlns="" id="{D698B4E1-5F4F-8E4F-97D2-0176CBCC4A51}"/>
+                <a16:creationId xmlns:a16="http://schemas.microsoft.com/office/drawing/2014/main" id="{D698B4E1-5F4F-8E4F-97D2-0176CBCC4A51}"/>
               </a:ext>
             </a:extLst>
           </p:cNvPr>
@@ -11027,7 +10937,7 @@
           <p:cNvPr id="4" name="Picture 4" descr="A store front at day&#10;&#10;Description generated with very high confidence">
             <a:extLst>
               <a:ext uri="{FF2B5EF4-FFF2-40B4-BE49-F238E27FC236}">
-                <a16:creationId xmlns:a16="http://schemas.microsoft.com/office/drawing/2014/main" xmlns="" id="{8DBA03A4-01E9-4E22-93E6-6C3DA6C31BE5}"/>
+                <a16:creationId xmlns:a16="http://schemas.microsoft.com/office/drawing/2014/main" id="{8DBA03A4-01E9-4E22-93E6-6C3DA6C31BE5}"/>
               </a:ext>
             </a:extLst>
           </p:cNvPr>
@@ -11055,79 +10965,9 @@
     </p:spTree>
     <p:extLst>
       <p:ext uri="{BB962C8B-B14F-4D97-AF65-F5344CB8AC3E}">
-        <p14:creationId xmlns:p14="http://schemas.microsoft.com/office/powerpoint/2010/main" xmlns="" val="1596847610"/>
+        <p14:creationId xmlns:p14="http://schemas.microsoft.com/office/powerpoint/2010/main" val="1596847610"/>
       </p:ext>
     </p:extLst>
-  </p:cSld>
-  <p:clrMapOvr>
-    <a:masterClrMapping/>
-  </p:clrMapOvr>
-  <p:timing>
-    <p:tnLst>
-      <p:par>
-        <p:cTn id="1" dur="indefinite" restart="never" nodeType="tmRoot"/>
-      </p:par>
-    </p:tnLst>
-  </p:timing>
-</p:sld>
-</file>
-
-<file path=ppt/slides/slide4.xml><?xml version="1.0" encoding="utf-8"?>
-<p:sld xmlns:a="http://schemas.openxmlformats.org/drawingml/2006/main" xmlns:r="http://schemas.openxmlformats.org/officeDocument/2006/relationships" xmlns:p="http://schemas.openxmlformats.org/presentationml/2006/main">
-  <p:cSld>
-    <p:spTree>
-      <p:nvGrpSpPr>
-        <p:cNvPr id="1" name=""/>
-        <p:cNvGrpSpPr/>
-        <p:nvPr/>
-      </p:nvGrpSpPr>
-      <p:grpSpPr>
-        <a:xfrm>
-          <a:off x="0" y="0"/>
-          <a:ext cx="0" cy="0"/>
-          <a:chOff x="0" y="0"/>
-          <a:chExt cx="0" cy="0"/>
-        </a:xfrm>
-      </p:grpSpPr>
-      <p:sp>
-        <p:nvSpPr>
-          <p:cNvPr id="2" name="Title 1"/>
-          <p:cNvSpPr>
-            <a:spLocks noGrp="1"/>
-          </p:cNvSpPr>
-          <p:nvPr>
-            <p:ph type="title"/>
-          </p:nvPr>
-        </p:nvSpPr>
-        <p:spPr/>
-        <p:txBody>
-          <a:bodyPr/>
-          <a:lstStyle/>
-          <a:p>
-            <a:endParaRPr lang="en-US"/>
-          </a:p>
-        </p:txBody>
-      </p:sp>
-      <p:sp>
-        <p:nvSpPr>
-          <p:cNvPr id="3" name="Content Placeholder 2"/>
-          <p:cNvSpPr>
-            <a:spLocks noGrp="1"/>
-          </p:cNvSpPr>
-          <p:nvPr>
-            <p:ph idx="1"/>
-          </p:nvPr>
-        </p:nvSpPr>
-        <p:spPr/>
-        <p:txBody>
-          <a:bodyPr/>
-          <a:lstStyle/>
-          <a:p>
-            <a:endParaRPr lang="en-US"/>
-          </a:p>
-        </p:txBody>
-      </p:sp>
-    </p:spTree>
   </p:cSld>
   <p:clrMapOvr>
     <a:masterClrMapping/>
@@ -11135,7 +10975,7 @@
 </p:sld>
 </file>
 
-<file path=ppt/slides/slide5.xml><?xml version="1.0" encoding="utf-8"?>
+<file path=ppt/slides/slide4.xml><?xml version="1.0" encoding="utf-8"?>
 <p:sld xmlns:a="http://schemas.openxmlformats.org/drawingml/2006/main" xmlns:r="http://schemas.openxmlformats.org/officeDocument/2006/relationships" xmlns:p="http://schemas.openxmlformats.org/presentationml/2006/main">
   <p:cSld>
     <p:bg>
@@ -11165,10 +11005,10 @@
           <p:cNvPr id="110" name="Rectangle 109">
             <a:extLst>
               <a:ext uri="{FF2B5EF4-FFF2-40B4-BE49-F238E27FC236}">
-                <a16:creationId xmlns:a16="http://schemas.microsoft.com/office/drawing/2014/main" xmlns="" id="{0E807223-DF88-4D6D-970E-08919E5E02EB}"/>
+                <a16:creationId xmlns:a16="http://schemas.microsoft.com/office/drawing/2014/main" id="{0E807223-DF88-4D6D-970E-08919E5E02EB}"/>
               </a:ext>
               <a:ext uri="{C183D7F6-B498-43B3-948B-1728B52AA6E4}">
-                <adec:decorative xmlns:adec="http://schemas.microsoft.com/office/drawing/2017/decorative" xmlns="" val="1"/>
+                <adec:decorative xmlns:adec="http://schemas.microsoft.com/office/drawing/2017/decorative" val="1"/>
               </a:ext>
             </a:extLst>
           </p:cNvPr>
@@ -11178,7 +11018,7 @@
           <p:nvPr>
             <p:extLst>
               <p:ext uri="{386F3935-93C4-4BCD-93E2-E3B085C9AB24}">
-                <p16:designElem xmlns:p16="http://schemas.microsoft.com/office/powerpoint/2015/main" xmlns="" val="1"/>
+                <p16:designElem xmlns:p16="http://schemas.microsoft.com/office/powerpoint/2015/main" val="1"/>
               </p:ext>
             </p:extLst>
           </p:nvPr>
@@ -11220,10 +11060,10 @@
           <p:cNvPr id="112" name="Rectangle 111">
             <a:extLst>
               <a:ext uri="{FF2B5EF4-FFF2-40B4-BE49-F238E27FC236}">
-                <a16:creationId xmlns:a16="http://schemas.microsoft.com/office/drawing/2014/main" xmlns="" id="{83B91B61-BFCA-4647-957E-A8269BE46F39}"/>
+                <a16:creationId xmlns:a16="http://schemas.microsoft.com/office/drawing/2014/main" id="{83B91B61-BFCA-4647-957E-A8269BE46F39}"/>
               </a:ext>
               <a:ext uri="{C183D7F6-B498-43B3-948B-1728B52AA6E4}">
-                <adec:decorative xmlns:adec="http://schemas.microsoft.com/office/drawing/2017/decorative" xmlns="" val="1"/>
+                <adec:decorative xmlns:adec="http://schemas.microsoft.com/office/drawing/2017/decorative" val="1"/>
               </a:ext>
             </a:extLst>
           </p:cNvPr>
@@ -11233,7 +11073,7 @@
           <p:nvPr>
             <p:extLst>
               <p:ext uri="{386F3935-93C4-4BCD-93E2-E3B085C9AB24}">
-                <p16:designElem xmlns:p16="http://schemas.microsoft.com/office/powerpoint/2015/main" xmlns="" val="1"/>
+                <p16:designElem xmlns:p16="http://schemas.microsoft.com/office/powerpoint/2015/main" val="1"/>
               </p:ext>
             </p:extLst>
           </p:nvPr>
@@ -11283,7 +11123,7 @@
           <p:cNvPr id="2" name="Title 1">
             <a:extLst>
               <a:ext uri="{FF2B5EF4-FFF2-40B4-BE49-F238E27FC236}">
-                <a16:creationId xmlns:a16="http://schemas.microsoft.com/office/drawing/2014/main" xmlns="" id="{23F6D5E8-15CF-4755-910B-1B5A1E777357}"/>
+                <a16:creationId xmlns:a16="http://schemas.microsoft.com/office/drawing/2014/main" id="{23F6D5E8-15CF-4755-910B-1B5A1E777357}"/>
               </a:ext>
             </a:extLst>
           </p:cNvPr>
@@ -11324,10 +11164,6 @@
             <a:br>
               <a:rPr lang="en-US" dirty="0"/>
             </a:br>
-            <a:r>
-              <a:rPr lang="en-US" dirty="0"/>
-              <a:t/>
-            </a:r>
             <a:br>
               <a:rPr lang="en-US" dirty="0"/>
             </a:br>
@@ -11347,7 +11183,7 @@
           <p:cNvPr id="15" name="Content Placeholder 14" descr="Person laying down on a laptop">
             <a:extLst>
               <a:ext uri="{FF2B5EF4-FFF2-40B4-BE49-F238E27FC236}">
-                <a16:creationId xmlns:a16="http://schemas.microsoft.com/office/drawing/2014/main" xmlns="" id="{C7F36DA5-3286-4EAB-8CE6-344245727B63}"/>
+                <a16:creationId xmlns:a16="http://schemas.microsoft.com/office/drawing/2014/main" id="{C7F36DA5-3286-4EAB-8CE6-344245727B63}"/>
               </a:ext>
             </a:extLst>
           </p:cNvPr>
@@ -11362,7 +11198,7 @@
           <a:blip r:embed="rId2" cstate="print">
             <a:extLst>
               <a:ext uri="{28A0092B-C50C-407E-A947-70E740481C1C}">
-                <a14:useLocalDpi xmlns:a14="http://schemas.microsoft.com/office/drawing/2010/main" xmlns=""/>
+                <a14:useLocalDpi xmlns:a14="http://schemas.microsoft.com/office/drawing/2010/main"/>
               </a:ext>
             </a:extLst>
           </a:blip>
@@ -11384,10 +11220,10 @@
           <p:cNvPr id="114" name="Rectangle 113">
             <a:extLst>
               <a:ext uri="{FF2B5EF4-FFF2-40B4-BE49-F238E27FC236}">
-                <a16:creationId xmlns:a16="http://schemas.microsoft.com/office/drawing/2014/main" xmlns="" id="{92D1D7C6-1C89-420C-8D35-483654167118}"/>
+                <a16:creationId xmlns:a16="http://schemas.microsoft.com/office/drawing/2014/main" id="{92D1D7C6-1C89-420C-8D35-483654167118}"/>
               </a:ext>
               <a:ext uri="{C183D7F6-B498-43B3-948B-1728B52AA6E4}">
-                <adec:decorative xmlns:adec="http://schemas.microsoft.com/office/drawing/2017/decorative" xmlns="" val="1"/>
+                <adec:decorative xmlns:adec="http://schemas.microsoft.com/office/drawing/2017/decorative" val="1"/>
               </a:ext>
             </a:extLst>
           </p:cNvPr>
@@ -11397,7 +11233,7 @@
           <p:nvPr>
             <p:extLst>
               <p:ext uri="{386F3935-93C4-4BCD-93E2-E3B085C9AB24}">
-                <p16:designElem xmlns:p16="http://schemas.microsoft.com/office/powerpoint/2015/main" xmlns="" val="1"/>
+                <p16:designElem xmlns:p16="http://schemas.microsoft.com/office/powerpoint/2015/main" val="1"/>
               </p:ext>
             </p:extLst>
           </p:nvPr>
@@ -11439,7 +11275,7 @@
           <p:cNvPr id="14" name="Content Placeholder 2" descr="Icon SmartArt graphic">
             <a:extLst>
               <a:ext uri="{FF2B5EF4-FFF2-40B4-BE49-F238E27FC236}">
-                <a16:creationId xmlns:a16="http://schemas.microsoft.com/office/drawing/2014/main" xmlns="" id="{454EA04D-167F-4BB4-9EC9-2DC5D3C603D7}"/>
+                <a16:creationId xmlns:a16="http://schemas.microsoft.com/office/drawing/2014/main" id="{454EA04D-167F-4BB4-9EC9-2DC5D3C603D7}"/>
               </a:ext>
             </a:extLst>
           </p:cNvPr>
@@ -11450,7 +11286,7 @@
             <p:ph sz="half" idx="2"/>
             <p:extLst>
               <p:ext uri="{D42A27DB-BD31-4B8C-83A1-F6EECF244321}">
-                <p14:modId xmlns:p14="http://schemas.microsoft.com/office/powerpoint/2010/main" xmlns="" val="2584538540"/>
+                <p14:modId xmlns:p14="http://schemas.microsoft.com/office/powerpoint/2010/main" val="2584538540"/>
               </p:ext>
             </p:extLst>
           </p:nvPr>
@@ -11468,24 +11304,17 @@
     </p:spTree>
     <p:extLst>
       <p:ext uri="{BB962C8B-B14F-4D97-AF65-F5344CB8AC3E}">
-        <p14:creationId xmlns:p14="http://schemas.microsoft.com/office/powerpoint/2010/main" xmlns="" val="107679821"/>
+        <p14:creationId xmlns:p14="http://schemas.microsoft.com/office/powerpoint/2010/main" val="107679821"/>
       </p:ext>
     </p:extLst>
   </p:cSld>
   <p:clrMapOvr>
     <a:masterClrMapping/>
   </p:clrMapOvr>
-  <p:timing>
-    <p:tnLst>
-      <p:par>
-        <p:cTn id="1" dur="indefinite" restart="never" nodeType="tmRoot"/>
-      </p:par>
-    </p:tnLst>
-  </p:timing>
 </p:sld>
 </file>
 
-<file path=ppt/slides/slide6.xml><?xml version="1.0" encoding="utf-8"?>
+<file path=ppt/slides/slide5.xml><?xml version="1.0" encoding="utf-8"?>
 <p:sld xmlns:a="http://schemas.openxmlformats.org/drawingml/2006/main" xmlns:r="http://schemas.openxmlformats.org/officeDocument/2006/relationships" xmlns:p="http://schemas.openxmlformats.org/presentationml/2006/main">
   <p:cSld>
     <p:bg>
@@ -11515,10 +11344,10 @@
           <p:cNvPr id="28" name="Rectangle 30">
             <a:extLst>
               <a:ext uri="{FF2B5EF4-FFF2-40B4-BE49-F238E27FC236}">
-                <a16:creationId xmlns:a16="http://schemas.microsoft.com/office/drawing/2014/main" xmlns="" id="{B98CA5AE-F2E4-4A6F-B986-89804B1EC016}"/>
+                <a16:creationId xmlns:a16="http://schemas.microsoft.com/office/drawing/2014/main" id="{B98CA5AE-F2E4-4A6F-B986-89804B1EC016}"/>
               </a:ext>
               <a:ext uri="{C183D7F6-B498-43B3-948B-1728B52AA6E4}">
-                <adec:decorative xmlns:adec="http://schemas.microsoft.com/office/drawing/2017/decorative" xmlns="" val="1"/>
+                <adec:decorative xmlns:adec="http://schemas.microsoft.com/office/drawing/2017/decorative" val="1"/>
               </a:ext>
             </a:extLst>
           </p:cNvPr>
@@ -11528,7 +11357,7 @@
           <p:nvPr>
             <p:extLst>
               <p:ext uri="{386F3935-93C4-4BCD-93E2-E3B085C9AB24}">
-                <p16:designElem xmlns:p16="http://schemas.microsoft.com/office/powerpoint/2015/main" xmlns="" val="1"/>
+                <p16:designElem xmlns:p16="http://schemas.microsoft.com/office/powerpoint/2015/main" val="1"/>
               </p:ext>
             </p:extLst>
           </p:nvPr>
@@ -11578,7 +11407,7 @@
           <p:cNvPr id="2" name="Title 1">
             <a:extLst>
               <a:ext uri="{FF2B5EF4-FFF2-40B4-BE49-F238E27FC236}">
-                <a16:creationId xmlns:a16="http://schemas.microsoft.com/office/drawing/2014/main" xmlns="" id="{5F3F6C66-D6D7-4A72-9928-967AEA400766}"/>
+                <a16:creationId xmlns:a16="http://schemas.microsoft.com/office/drawing/2014/main" id="{5F3F6C66-D6D7-4A72-9928-967AEA400766}"/>
               </a:ext>
             </a:extLst>
           </p:cNvPr>
@@ -11613,10 +11442,10 @@
           <p:cNvPr id="29" name="Rectangle 32">
             <a:extLst>
               <a:ext uri="{FF2B5EF4-FFF2-40B4-BE49-F238E27FC236}">
-                <a16:creationId xmlns:a16="http://schemas.microsoft.com/office/drawing/2014/main" xmlns="" id="{E67E3959-D0D8-49DB-A48B-CE4FC36871C5}"/>
+                <a16:creationId xmlns:a16="http://schemas.microsoft.com/office/drawing/2014/main" id="{E67E3959-D0D8-49DB-A48B-CE4FC36871C5}"/>
               </a:ext>
               <a:ext uri="{C183D7F6-B498-43B3-948B-1728B52AA6E4}">
-                <adec:decorative xmlns:adec="http://schemas.microsoft.com/office/drawing/2017/decorative" xmlns="" val="1"/>
+                <adec:decorative xmlns:adec="http://schemas.microsoft.com/office/drawing/2017/decorative" val="1"/>
               </a:ext>
             </a:extLst>
           </p:cNvPr>
@@ -11626,7 +11455,7 @@
           <p:nvPr>
             <p:extLst>
               <p:ext uri="{386F3935-93C4-4BCD-93E2-E3B085C9AB24}">
-                <p16:designElem xmlns:p16="http://schemas.microsoft.com/office/powerpoint/2015/main" xmlns="" val="1"/>
+                <p16:designElem xmlns:p16="http://schemas.microsoft.com/office/powerpoint/2015/main" val="1"/>
               </p:ext>
             </p:extLst>
           </p:nvPr>
@@ -11668,7 +11497,7 @@
           <p:cNvPr id="8" name="Picture 7" descr="Person carrying rolling luggage">
             <a:extLst>
               <a:ext uri="{FF2B5EF4-FFF2-40B4-BE49-F238E27FC236}">
-                <a16:creationId xmlns:a16="http://schemas.microsoft.com/office/drawing/2014/main" xmlns="" id="{3E07AA5F-8072-9541-85CB-0C9A4C1EBCD5}"/>
+                <a16:creationId xmlns:a16="http://schemas.microsoft.com/office/drawing/2014/main" id="{3E07AA5F-8072-9541-85CB-0C9A4C1EBCD5}"/>
               </a:ext>
             </a:extLst>
           </p:cNvPr>
@@ -11681,7 +11510,7 @@
           <a:blip r:embed="rId2" cstate="print">
             <a:extLst>
               <a:ext uri="{28A0092B-C50C-407E-A947-70E740481C1C}">
-                <a14:useLocalDpi xmlns:a14="http://schemas.microsoft.com/office/drawing/2010/main" xmlns=""/>
+                <a14:useLocalDpi xmlns:a14="http://schemas.microsoft.com/office/drawing/2010/main"/>
               </a:ext>
             </a:extLst>
           </a:blip>
@@ -11703,7 +11532,7 @@
           <p:cNvPr id="14" name="Content Placeholder 2" descr="Linear process SmartArt graphic">
             <a:extLst>
               <a:ext uri="{FF2B5EF4-FFF2-40B4-BE49-F238E27FC236}">
-                <a16:creationId xmlns:a16="http://schemas.microsoft.com/office/drawing/2014/main" xmlns="" id="{DEC8A51B-A7CC-40D9-9DD5-CACF12E987DE}"/>
+                <a16:creationId xmlns:a16="http://schemas.microsoft.com/office/drawing/2014/main" id="{DEC8A51B-A7CC-40D9-9DD5-CACF12E987DE}"/>
               </a:ext>
             </a:extLst>
           </p:cNvPr>
@@ -11714,7 +11543,7 @@
             <p:ph idx="1"/>
             <p:extLst>
               <p:ext uri="{D42A27DB-BD31-4B8C-83A1-F6EECF244321}">
-                <p14:modId xmlns:p14="http://schemas.microsoft.com/office/powerpoint/2010/main" xmlns="" val="3055452659"/>
+                <p14:modId xmlns:p14="http://schemas.microsoft.com/office/powerpoint/2010/main" val="3055452659"/>
               </p:ext>
             </p:extLst>
           </p:nvPr>
@@ -11732,24 +11561,17 @@
     </p:spTree>
     <p:extLst>
       <p:ext uri="{BB962C8B-B14F-4D97-AF65-F5344CB8AC3E}">
-        <p14:creationId xmlns:p14="http://schemas.microsoft.com/office/powerpoint/2010/main" xmlns="" val="844128968"/>
+        <p14:creationId xmlns:p14="http://schemas.microsoft.com/office/powerpoint/2010/main" val="844128968"/>
       </p:ext>
     </p:extLst>
   </p:cSld>
   <p:clrMapOvr>
     <a:masterClrMapping/>
   </p:clrMapOvr>
-  <p:timing>
-    <p:tnLst>
-      <p:par>
-        <p:cTn id="1" dur="indefinite" restart="never" nodeType="tmRoot"/>
-      </p:par>
-    </p:tnLst>
-  </p:timing>
 </p:sld>
 </file>
 
-<file path=ppt/slides/slide7.xml><?xml version="1.0" encoding="utf-8"?>
+<file path=ppt/slides/slide6.xml><?xml version="1.0" encoding="utf-8"?>
 <p:sld xmlns:a="http://schemas.openxmlformats.org/drawingml/2006/main" xmlns:r="http://schemas.openxmlformats.org/officeDocument/2006/relationships" xmlns:p="http://schemas.openxmlformats.org/presentationml/2006/main">
   <p:cSld>
     <p:bg>
@@ -11779,7 +11601,7 @@
           <p:cNvPr id="6" name="Picture 5" descr="Woman carrying briefcase heading down road">
             <a:extLst>
               <a:ext uri="{FF2B5EF4-FFF2-40B4-BE49-F238E27FC236}">
-                <a16:creationId xmlns:a16="http://schemas.microsoft.com/office/drawing/2014/main" xmlns="" id="{6BE62510-A175-9D47-9EDF-D9FB6C162CE7}"/>
+                <a16:creationId xmlns:a16="http://schemas.microsoft.com/office/drawing/2014/main" id="{6BE62510-A175-9D47-9EDF-D9FB6C162CE7}"/>
               </a:ext>
             </a:extLst>
           </p:cNvPr>
@@ -11792,7 +11614,7 @@
           <a:blip r:embed="rId2" cstate="print">
             <a:extLst>
               <a:ext uri="{28A0092B-C50C-407E-A947-70E740481C1C}">
-                <a14:useLocalDpi xmlns:a14="http://schemas.microsoft.com/office/drawing/2010/main" xmlns=""/>
+                <a14:useLocalDpi xmlns:a14="http://schemas.microsoft.com/office/drawing/2010/main"/>
               </a:ext>
             </a:extLst>
           </a:blip>
@@ -11814,10 +11636,10 @@
           <p:cNvPr id="11" name="Rectangle 10">
             <a:extLst>
               <a:ext uri="{FF2B5EF4-FFF2-40B4-BE49-F238E27FC236}">
-                <a16:creationId xmlns:a16="http://schemas.microsoft.com/office/drawing/2014/main" xmlns="" id="{310B1DD0-264A-47E3-A16A-C87AFA51E68A}"/>
+                <a16:creationId xmlns:a16="http://schemas.microsoft.com/office/drawing/2014/main" id="{310B1DD0-264A-47E3-A16A-C87AFA51E68A}"/>
               </a:ext>
               <a:ext uri="{C183D7F6-B498-43B3-948B-1728B52AA6E4}">
-                <adec:decorative xmlns:adec="http://schemas.microsoft.com/office/drawing/2017/decorative" xmlns="" val="1"/>
+                <adec:decorative xmlns:adec="http://schemas.microsoft.com/office/drawing/2017/decorative" val="1"/>
               </a:ext>
             </a:extLst>
           </p:cNvPr>
@@ -11827,7 +11649,7 @@
           <p:nvPr>
             <p:extLst>
               <p:ext uri="{386F3935-93C4-4BCD-93E2-E3B085C9AB24}">
-                <p16:designElem xmlns:p16="http://schemas.microsoft.com/office/powerpoint/2015/main" xmlns="" val="1"/>
+                <p16:designElem xmlns:p16="http://schemas.microsoft.com/office/powerpoint/2015/main" val="1"/>
               </p:ext>
             </p:extLst>
           </p:nvPr>
@@ -11890,10 +11712,10 @@
           <p:cNvPr id="13" name="Freeform 6">
             <a:extLst>
               <a:ext uri="{FF2B5EF4-FFF2-40B4-BE49-F238E27FC236}">
-                <a16:creationId xmlns:a16="http://schemas.microsoft.com/office/drawing/2014/main" xmlns="" id="{69C1BB7B-F21E-41A2-B30C-D8507B960282}"/>
+                <a16:creationId xmlns:a16="http://schemas.microsoft.com/office/drawing/2014/main" id="{69C1BB7B-F21E-41A2-B30C-D8507B960282}"/>
               </a:ext>
               <a:ext uri="{C183D7F6-B498-43B3-948B-1728B52AA6E4}">
-                <adec:decorative xmlns:adec="http://schemas.microsoft.com/office/drawing/2017/decorative" xmlns="" val="1"/>
+                <adec:decorative xmlns:adec="http://schemas.microsoft.com/office/drawing/2017/decorative" val="1"/>
               </a:ext>
             </a:extLst>
           </p:cNvPr>
@@ -11903,7 +11725,7 @@
           <p:nvPr>
             <p:extLst>
               <p:ext uri="{386F3935-93C4-4BCD-93E2-E3B085C9AB24}">
-                <p16:designElem xmlns:p16="http://schemas.microsoft.com/office/powerpoint/2015/main" xmlns="" val="1"/>
+                <p16:designElem xmlns:p16="http://schemas.microsoft.com/office/powerpoint/2015/main" val="1"/>
               </p:ext>
             </p:extLst>
           </p:nvPr>
@@ -11965,10 +11787,10 @@
           <p:cNvPr id="15" name="Freeform 6">
             <a:extLst>
               <a:ext uri="{FF2B5EF4-FFF2-40B4-BE49-F238E27FC236}">
-                <a16:creationId xmlns:a16="http://schemas.microsoft.com/office/drawing/2014/main" xmlns="" id="{DF6D7DDE-F8A1-4105-9729-F9EB5F81A360}"/>
+                <a16:creationId xmlns:a16="http://schemas.microsoft.com/office/drawing/2014/main" id="{DF6D7DDE-F8A1-4105-9729-F9EB5F81A360}"/>
               </a:ext>
               <a:ext uri="{C183D7F6-B498-43B3-948B-1728B52AA6E4}">
-                <adec:decorative xmlns:adec="http://schemas.microsoft.com/office/drawing/2017/decorative" xmlns="" val="1"/>
+                <adec:decorative xmlns:adec="http://schemas.microsoft.com/office/drawing/2017/decorative" val="1"/>
               </a:ext>
             </a:extLst>
           </p:cNvPr>
@@ -11978,7 +11800,7 @@
           <p:nvPr>
             <p:extLst>
               <p:ext uri="{386F3935-93C4-4BCD-93E2-E3B085C9AB24}">
-                <p16:designElem xmlns:p16="http://schemas.microsoft.com/office/powerpoint/2015/main" xmlns="" val="1"/>
+                <p16:designElem xmlns:p16="http://schemas.microsoft.com/office/powerpoint/2015/main" val="1"/>
               </p:ext>
             </p:extLst>
           </p:nvPr>
@@ -12038,7 +11860,7 @@
           <p:cNvPr id="2" name="Title 1">
             <a:extLst>
               <a:ext uri="{FF2B5EF4-FFF2-40B4-BE49-F238E27FC236}">
-                <a16:creationId xmlns:a16="http://schemas.microsoft.com/office/drawing/2014/main" xmlns="" id="{A5C93519-6B29-1346-9FCB-0835B80531A4}"/>
+                <a16:creationId xmlns:a16="http://schemas.microsoft.com/office/drawing/2014/main" id="{A5C93519-6B29-1346-9FCB-0835B80531A4}"/>
               </a:ext>
             </a:extLst>
           </p:cNvPr>
@@ -12085,7 +11907,7 @@
           <p:cNvPr id="3" name="Subtitle 2">
             <a:extLst>
               <a:ext uri="{FF2B5EF4-FFF2-40B4-BE49-F238E27FC236}">
-                <a16:creationId xmlns:a16="http://schemas.microsoft.com/office/drawing/2014/main" xmlns="" id="{D698B4E1-5F4F-8E4F-97D2-0176CBCC4A51}"/>
+                <a16:creationId xmlns:a16="http://schemas.microsoft.com/office/drawing/2014/main" id="{D698B4E1-5F4F-8E4F-97D2-0176CBCC4A51}"/>
               </a:ext>
             </a:extLst>
           </p:cNvPr>
@@ -12240,24 +12062,17 @@
     </p:spTree>
     <p:extLst>
       <p:ext uri="{BB962C8B-B14F-4D97-AF65-F5344CB8AC3E}">
-        <p14:creationId xmlns:p14="http://schemas.microsoft.com/office/powerpoint/2010/main" xmlns="" val="2607065828"/>
+        <p14:creationId xmlns:p14="http://schemas.microsoft.com/office/powerpoint/2010/main" val="2607065828"/>
       </p:ext>
     </p:extLst>
   </p:cSld>
   <p:clrMapOvr>
     <a:masterClrMapping/>
   </p:clrMapOvr>
-  <p:timing>
-    <p:tnLst>
-      <p:par>
-        <p:cTn id="1" dur="indefinite" restart="never" nodeType="tmRoot"/>
-      </p:par>
-    </p:tnLst>
-  </p:timing>
 </p:sld>
 </file>
 
-<file path=ppt/slides/slide8.xml><?xml version="1.0" encoding="utf-8"?>
+<file path=ppt/slides/slide7.xml><?xml version="1.0" encoding="utf-8"?>
 <p:sld xmlns:a="http://schemas.openxmlformats.org/drawingml/2006/main" xmlns:r="http://schemas.openxmlformats.org/officeDocument/2006/relationships" xmlns:p="http://schemas.openxmlformats.org/presentationml/2006/main">
   <p:cSld>
     <p:bg>
@@ -12287,7 +12102,7 @@
           <p:cNvPr id="6" name="Picture 5" descr="Woman carrying briefcase heading down road">
             <a:extLst>
               <a:ext uri="{FF2B5EF4-FFF2-40B4-BE49-F238E27FC236}">
-                <a16:creationId xmlns:a16="http://schemas.microsoft.com/office/drawing/2014/main" xmlns="" id="{6BE62510-A175-9D47-9EDF-D9FB6C162CE7}"/>
+                <a16:creationId xmlns:a16="http://schemas.microsoft.com/office/drawing/2014/main" id="{6BE62510-A175-9D47-9EDF-D9FB6C162CE7}"/>
               </a:ext>
             </a:extLst>
           </p:cNvPr>
@@ -12300,7 +12115,7 @@
           <a:blip r:embed="rId2" cstate="print">
             <a:extLst>
               <a:ext uri="{28A0092B-C50C-407E-A947-70E740481C1C}">
-                <a14:useLocalDpi xmlns:a14="http://schemas.microsoft.com/office/drawing/2010/main" xmlns=""/>
+                <a14:useLocalDpi xmlns:a14="http://schemas.microsoft.com/office/drawing/2010/main"/>
               </a:ext>
             </a:extLst>
           </a:blip>
@@ -12322,10 +12137,10 @@
           <p:cNvPr id="11" name="Rectangle 10">
             <a:extLst>
               <a:ext uri="{FF2B5EF4-FFF2-40B4-BE49-F238E27FC236}">
-                <a16:creationId xmlns:a16="http://schemas.microsoft.com/office/drawing/2014/main" xmlns="" id="{310B1DD0-264A-47E3-A16A-C87AFA51E68A}"/>
+                <a16:creationId xmlns:a16="http://schemas.microsoft.com/office/drawing/2014/main" id="{310B1DD0-264A-47E3-A16A-C87AFA51E68A}"/>
               </a:ext>
               <a:ext uri="{C183D7F6-B498-43B3-948B-1728B52AA6E4}">
-                <adec:decorative xmlns:adec="http://schemas.microsoft.com/office/drawing/2017/decorative" xmlns="" val="1"/>
+                <adec:decorative xmlns:adec="http://schemas.microsoft.com/office/drawing/2017/decorative" val="1"/>
               </a:ext>
             </a:extLst>
           </p:cNvPr>
@@ -12335,7 +12150,7 @@
           <p:nvPr>
             <p:extLst>
               <p:ext uri="{386F3935-93C4-4BCD-93E2-E3B085C9AB24}">
-                <p16:designElem xmlns:p16="http://schemas.microsoft.com/office/powerpoint/2015/main" xmlns="" val="1"/>
+                <p16:designElem xmlns:p16="http://schemas.microsoft.com/office/powerpoint/2015/main" val="1"/>
               </p:ext>
             </p:extLst>
           </p:nvPr>
@@ -12398,10 +12213,10 @@
           <p:cNvPr id="13" name="Freeform 6">
             <a:extLst>
               <a:ext uri="{FF2B5EF4-FFF2-40B4-BE49-F238E27FC236}">
-                <a16:creationId xmlns:a16="http://schemas.microsoft.com/office/drawing/2014/main" xmlns="" id="{69C1BB7B-F21E-41A2-B30C-D8507B960282}"/>
+                <a16:creationId xmlns:a16="http://schemas.microsoft.com/office/drawing/2014/main" id="{69C1BB7B-F21E-41A2-B30C-D8507B960282}"/>
               </a:ext>
               <a:ext uri="{C183D7F6-B498-43B3-948B-1728B52AA6E4}">
-                <adec:decorative xmlns:adec="http://schemas.microsoft.com/office/drawing/2017/decorative" xmlns="" val="1"/>
+                <adec:decorative xmlns:adec="http://schemas.microsoft.com/office/drawing/2017/decorative" val="1"/>
               </a:ext>
             </a:extLst>
           </p:cNvPr>
@@ -12411,7 +12226,7 @@
           <p:nvPr>
             <p:extLst>
               <p:ext uri="{386F3935-93C4-4BCD-93E2-E3B085C9AB24}">
-                <p16:designElem xmlns:p16="http://schemas.microsoft.com/office/powerpoint/2015/main" xmlns="" val="1"/>
+                <p16:designElem xmlns:p16="http://schemas.microsoft.com/office/powerpoint/2015/main" val="1"/>
               </p:ext>
             </p:extLst>
           </p:nvPr>
@@ -12473,10 +12288,10 @@
           <p:cNvPr id="15" name="Freeform 6">
             <a:extLst>
               <a:ext uri="{FF2B5EF4-FFF2-40B4-BE49-F238E27FC236}">
-                <a16:creationId xmlns:a16="http://schemas.microsoft.com/office/drawing/2014/main" xmlns="" id="{DF6D7DDE-F8A1-4105-9729-F9EB5F81A360}"/>
+                <a16:creationId xmlns:a16="http://schemas.microsoft.com/office/drawing/2014/main" id="{DF6D7DDE-F8A1-4105-9729-F9EB5F81A360}"/>
               </a:ext>
               <a:ext uri="{C183D7F6-B498-43B3-948B-1728B52AA6E4}">
-                <adec:decorative xmlns:adec="http://schemas.microsoft.com/office/drawing/2017/decorative" xmlns="" val="1"/>
+                <adec:decorative xmlns:adec="http://schemas.microsoft.com/office/drawing/2017/decorative" val="1"/>
               </a:ext>
             </a:extLst>
           </p:cNvPr>
@@ -12486,7 +12301,7 @@
           <p:nvPr>
             <p:extLst>
               <p:ext uri="{386F3935-93C4-4BCD-93E2-E3B085C9AB24}">
-                <p16:designElem xmlns:p16="http://schemas.microsoft.com/office/powerpoint/2015/main" xmlns="" val="1"/>
+                <p16:designElem xmlns:p16="http://schemas.microsoft.com/office/powerpoint/2015/main" val="1"/>
               </p:ext>
             </p:extLst>
           </p:nvPr>
@@ -12546,7 +12361,7 @@
           <p:cNvPr id="2" name="Title 1">
             <a:extLst>
               <a:ext uri="{FF2B5EF4-FFF2-40B4-BE49-F238E27FC236}">
-                <a16:creationId xmlns:a16="http://schemas.microsoft.com/office/drawing/2014/main" xmlns="" id="{A5C93519-6B29-1346-9FCB-0835B80531A4}"/>
+                <a16:creationId xmlns:a16="http://schemas.microsoft.com/office/drawing/2014/main" id="{A5C93519-6B29-1346-9FCB-0835B80531A4}"/>
               </a:ext>
             </a:extLst>
           </p:cNvPr>
@@ -12585,7 +12400,7 @@
           <p:cNvPr id="3" name="Subtitle 2">
             <a:extLst>
               <a:ext uri="{FF2B5EF4-FFF2-40B4-BE49-F238E27FC236}">
-                <a16:creationId xmlns:a16="http://schemas.microsoft.com/office/drawing/2014/main" xmlns="" id="{D698B4E1-5F4F-8E4F-97D2-0176CBCC4A51}"/>
+                <a16:creationId xmlns:a16="http://schemas.microsoft.com/office/drawing/2014/main" id="{D698B4E1-5F4F-8E4F-97D2-0176CBCC4A51}"/>
               </a:ext>
             </a:extLst>
           </p:cNvPr>
@@ -12657,20 +12472,13 @@
     </p:spTree>
     <p:extLst>
       <p:ext uri="{BB962C8B-B14F-4D97-AF65-F5344CB8AC3E}">
-        <p14:creationId xmlns:p14="http://schemas.microsoft.com/office/powerpoint/2010/main" xmlns="" val="106152923"/>
+        <p14:creationId xmlns:p14="http://schemas.microsoft.com/office/powerpoint/2010/main" val="106152923"/>
       </p:ext>
     </p:extLst>
   </p:cSld>
   <p:clrMapOvr>
     <a:masterClrMapping/>
   </p:clrMapOvr>
-  <p:timing>
-    <p:tnLst>
-      <p:par>
-        <p:cTn id="1" dur="indefinite" restart="never" nodeType="tmRoot"/>
-      </p:par>
-    </p:tnLst>
-  </p:timing>
 </p:sld>
 </file>
 
@@ -12926,7 +12734,7 @@
   <a:extraClrSchemeLst/>
   <a:extLst>
     <a:ext uri="{05A4C25C-085E-4340-85A3-A5531E510DB2}">
-      <thm15:themeFamily xmlns:thm15="http://schemas.microsoft.com/office/thememl/2012/main" xmlns="" name="Crop" id="{EC9488ED-E761-4D60-9AC4-764D1FE2C171}" vid="{CE19780C-D67D-4C13-9DE9-A52BC3BA51B4}"/>
+      <thm15:themeFamily xmlns:thm15="http://schemas.microsoft.com/office/thememl/2012/main" name="Crop" id="{EC9488ED-E761-4D60-9AC4-764D1FE2C171}" vid="{CE19780C-D67D-4C13-9DE9-A52BC3BA51B4}"/>
     </a:ext>
   </a:extLst>
 </a:theme>
